--- a/docs/NLP_with_Transformers_Figures.pptx
+++ b/docs/NLP_with_Transformers_Figures.pptx
@@ -3321,378 +3321,3172 @@
           <a:chExt cx="0" cy="0"/>
         </a:xfrm>
       </p:grpSpPr>
-      <mc:AlternateContent xmlns:mc="http://schemas.openxmlformats.org/markup-compatibility/2006">
-        <mc:Choice xmlns:a14="http://schemas.microsoft.com/office/drawing/2010/main" Requires="a14">
-          <p:sp>
-            <p:nvSpPr>
-              <p:cNvPr id="4" name="TextBox 3">
-                <a:extLst>
-                  <a:ext uri="{FF2B5EF4-FFF2-40B4-BE49-F238E27FC236}">
-                    <a16:creationId xmlns:a16="http://schemas.microsoft.com/office/drawing/2014/main" id="{A85D9125-975F-D84F-C051-61255E1A4334}"/>
-                  </a:ext>
-                </a:extLst>
-              </p:cNvPr>
-              <p:cNvSpPr txBox="1"/>
-              <p:nvPr/>
-            </p:nvSpPr>
-            <p:spPr>
-              <a:xfrm>
-                <a:off x="1560443" y="1550504"/>
-                <a:ext cx="538865" cy="246221"/>
-              </a:xfrm>
-              <a:prstGeom prst="rect">
-                <a:avLst/>
-              </a:prstGeom>
-              <a:solidFill>
-                <a:schemeClr val="tx1"/>
-              </a:solidFill>
-            </p:spPr>
-            <p:txBody>
-              <a:bodyPr wrap="none" rtlCol="0">
-                <a:spAutoFit/>
-              </a:bodyPr>
-              <a:lstStyle/>
-              <a:p>
-                <a:r>
-                  <a:rPr lang="en-US" sz="1000" dirty="0">
+      <p:grpSp>
+        <p:nvGrpSpPr>
+          <p:cNvPr id="49" name="Group 48">
+            <a:extLst>
+              <a:ext uri="{FF2B5EF4-FFF2-40B4-BE49-F238E27FC236}">
+                <a16:creationId xmlns:a16="http://schemas.microsoft.com/office/drawing/2014/main" id="{BB99102E-2A63-2724-A5C0-450D1FD86082}"/>
+              </a:ext>
+            </a:extLst>
+          </p:cNvPr>
+          <p:cNvGrpSpPr/>
+          <p:nvPr/>
+        </p:nvGrpSpPr>
+        <p:grpSpPr>
+          <a:xfrm>
+            <a:off x="1517129" y="1488947"/>
+            <a:ext cx="5026506" cy="1296432"/>
+            <a:chOff x="1517129" y="1488947"/>
+            <a:chExt cx="5026506" cy="1296432"/>
+          </a:xfrm>
+        </p:grpSpPr>
+        <mc:AlternateContent xmlns:mc="http://schemas.openxmlformats.org/markup-compatibility/2006">
+          <mc:Choice xmlns:a14="http://schemas.microsoft.com/office/drawing/2010/main" Requires="a14">
+            <p:sp>
+              <p:nvSpPr>
+                <p:cNvPr id="4" name="TextBox 3">
+                  <a:extLst>
+                    <a:ext uri="{FF2B5EF4-FFF2-40B4-BE49-F238E27FC236}">
+                      <a16:creationId xmlns:a16="http://schemas.microsoft.com/office/drawing/2014/main" id="{A85D9125-975F-D84F-C051-61255E1A4334}"/>
+                    </a:ext>
+                  </a:extLst>
+                </p:cNvPr>
+                <p:cNvSpPr txBox="1"/>
+                <p:nvPr/>
+              </p:nvSpPr>
+              <p:spPr>
+                <a:xfrm>
+                  <a:off x="1560443" y="1550504"/>
+                  <a:ext cx="538865" cy="246221"/>
+                </a:xfrm>
+                <a:prstGeom prst="rect">
+                  <a:avLst/>
+                </a:prstGeom>
+                <a:solidFill>
+                  <a:schemeClr val="tx1"/>
+                </a:solidFill>
+              </p:spPr>
+              <p:txBody>
+                <a:bodyPr wrap="none" rtlCol="0">
+                  <a:spAutoFit/>
+                </a:bodyPr>
+                <a:lstStyle/>
+                <a:p>
+                  <a:r>
+                    <a:rPr lang="en-US" sz="1000" dirty="0">
+                      <a:solidFill>
+                        <a:schemeClr val="bg1"/>
+                      </a:solidFill>
+                    </a:rPr>
+                    <a:t>State </a:t>
+                  </a:r>
+                  <a14:m>
+                    <m:oMath xmlns:m="http://schemas.openxmlformats.org/officeDocument/2006/math">
+                      <m:r>
+                        <a:rPr lang="en-US" sz="1000" i="1" dirty="0" smtClean="0">
+                          <a:solidFill>
+                            <a:schemeClr val="bg1"/>
+                          </a:solidFill>
+                          <a:latin typeface="Cambria Math" panose="02040503050406030204" pitchFamily="18" charset="0"/>
+                        </a:rPr>
+                        <m:t>𝑡</m:t>
+                      </m:r>
+                    </m:oMath>
+                  </a14:m>
+                  <a:endParaRPr lang="en-US" sz="1000" dirty="0">
                     <a:solidFill>
                       <a:schemeClr val="bg1"/>
                     </a:solidFill>
-                  </a:rPr>
-                  <a:t>State </a:t>
-                </a:r>
-                <a14:m>
-                  <m:oMath xmlns:m="http://schemas.openxmlformats.org/officeDocument/2006/math">
-                    <m:r>
-                      <a:rPr lang="en-US" sz="1000" i="1" dirty="0" smtClean="0">
-                        <a:solidFill>
-                          <a:schemeClr val="bg1"/>
-                        </a:solidFill>
-                        <a:latin typeface="Cambria Math" panose="02040503050406030204" pitchFamily="18" charset="0"/>
-                      </a:rPr>
-                      <m:t>𝑡</m:t>
-                    </m:r>
-                  </m:oMath>
-                </a14:m>
-                <a:endParaRPr lang="en-US" sz="1000" dirty="0">
+                  </a:endParaRPr>
+                </a:p>
+              </p:txBody>
+            </p:sp>
+          </mc:Choice>
+          <mc:Fallback>
+            <p:sp>
+              <p:nvSpPr>
+                <p:cNvPr id="4" name="TextBox 3">
+                  <a:extLst>
+                    <a:ext uri="{FF2B5EF4-FFF2-40B4-BE49-F238E27FC236}">
+                      <a16:creationId xmlns:a16="http://schemas.microsoft.com/office/drawing/2014/main" id="{A85D9125-975F-D84F-C051-61255E1A4334}"/>
+                    </a:ext>
+                  </a:extLst>
+                </p:cNvPr>
+                <p:cNvSpPr txBox="1">
+                  <a:spLocks noRot="1" noChangeAspect="1" noMove="1" noResize="1" noEditPoints="1" noAdjustHandles="1" noChangeArrowheads="1" noChangeShapeType="1" noTextEdit="1"/>
+                </p:cNvSpPr>
+                <p:nvPr/>
+              </p:nvSpPr>
+              <p:spPr>
+                <a:xfrm>
+                  <a:off x="1560443" y="1550504"/>
+                  <a:ext cx="538865" cy="246221"/>
+                </a:xfrm>
+                <a:prstGeom prst="rect">
+                  <a:avLst/>
+                </a:prstGeom>
+                <a:blipFill>
+                  <a:blip r:embed="rId2"/>
+                  <a:stretch>
+                    <a:fillRect b="-9524"/>
+                  </a:stretch>
+                </a:blipFill>
+              </p:spPr>
+              <p:txBody>
+                <a:bodyPr/>
+                <a:lstStyle/>
+                <a:p>
+                  <a:r>
+                    <a:rPr lang="en-US">
+                      <a:noFill/>
+                    </a:rPr>
+                    <a:t> </a:t>
+                  </a:r>
+                </a:p>
+              </p:txBody>
+            </p:sp>
+          </mc:Fallback>
+        </mc:AlternateContent>
+        <p:sp>
+          <p:nvSpPr>
+            <p:cNvPr id="5" name="TextBox 4">
+              <a:extLst>
+                <a:ext uri="{FF2B5EF4-FFF2-40B4-BE49-F238E27FC236}">
+                  <a16:creationId xmlns:a16="http://schemas.microsoft.com/office/drawing/2014/main" id="{FD075E3D-1D3E-9840-7665-18FC75534D12}"/>
+                </a:ext>
+              </a:extLst>
+            </p:cNvPr>
+            <p:cNvSpPr txBox="1"/>
+            <p:nvPr/>
+          </p:nvSpPr>
+          <p:spPr>
+            <a:xfrm>
+              <a:off x="1517129" y="2025166"/>
+              <a:ext cx="625492" cy="246221"/>
+            </a:xfrm>
+            <a:prstGeom prst="rect">
+              <a:avLst/>
+            </a:prstGeom>
+            <a:solidFill>
+              <a:srgbClr val="FFC000"/>
+            </a:solidFill>
+          </p:spPr>
+          <p:txBody>
+            <a:bodyPr wrap="none" rtlCol="0">
+              <a:spAutoFit/>
+            </a:bodyPr>
+            <a:lstStyle/>
+            <a:p>
+              <a:r>
+                <a:rPr lang="en-US" sz="1000" dirty="0"/>
+                <a:t>RNN cell</a:t>
+              </a:r>
+            </a:p>
+          </p:txBody>
+        </p:sp>
+        <mc:AlternateContent xmlns:mc="http://schemas.openxmlformats.org/markup-compatibility/2006">
+          <mc:Choice xmlns:a14="http://schemas.microsoft.com/office/drawing/2010/main" Requires="a14">
+            <p:sp>
+              <p:nvSpPr>
+                <p:cNvPr id="6" name="TextBox 5">
+                  <a:extLst>
+                    <a:ext uri="{FF2B5EF4-FFF2-40B4-BE49-F238E27FC236}">
+                      <a16:creationId xmlns:a16="http://schemas.microsoft.com/office/drawing/2014/main" id="{CDF78613-B96B-49F9-BE6B-E5C00547A27D}"/>
+                    </a:ext>
+                  </a:extLst>
+                </p:cNvPr>
+                <p:cNvSpPr txBox="1"/>
+                <p:nvPr/>
+              </p:nvSpPr>
+              <p:spPr>
+                <a:xfrm>
+                  <a:off x="1560442" y="2499829"/>
+                  <a:ext cx="545277" cy="246221"/>
+                </a:xfrm>
+                <a:prstGeom prst="rect">
+                  <a:avLst/>
+                </a:prstGeom>
+                <a:solidFill>
+                  <a:schemeClr val="bg1">
+                    <a:lumMod val="75000"/>
+                  </a:schemeClr>
+                </a:solidFill>
+              </p:spPr>
+              <p:txBody>
+                <a:bodyPr wrap="none" rtlCol="0">
+                  <a:spAutoFit/>
+                </a:bodyPr>
+                <a:lstStyle/>
+                <a:p>
+                  <a:r>
+                    <a:rPr lang="en-US" sz="1000" dirty="0"/>
+                    <a:t>Input </a:t>
+                  </a:r>
+                  <a14:m>
+                    <m:oMath xmlns:m="http://schemas.openxmlformats.org/officeDocument/2006/math">
+                      <m:r>
+                        <a:rPr lang="en-US" sz="1000" i="1" dirty="0" smtClean="0">
+                          <a:latin typeface="Cambria Math" panose="02040503050406030204" pitchFamily="18" charset="0"/>
+                        </a:rPr>
+                        <m:t>𝑡</m:t>
+                      </m:r>
+                    </m:oMath>
+                  </a14:m>
+                  <a:endParaRPr lang="en-US" sz="1000" dirty="0"/>
+                </a:p>
+              </p:txBody>
+            </p:sp>
+          </mc:Choice>
+          <mc:Fallback>
+            <p:sp>
+              <p:nvSpPr>
+                <p:cNvPr id="6" name="TextBox 5">
+                  <a:extLst>
+                    <a:ext uri="{FF2B5EF4-FFF2-40B4-BE49-F238E27FC236}">
+                      <a16:creationId xmlns:a16="http://schemas.microsoft.com/office/drawing/2014/main" id="{CDF78613-B96B-49F9-BE6B-E5C00547A27D}"/>
+                    </a:ext>
+                  </a:extLst>
+                </p:cNvPr>
+                <p:cNvSpPr txBox="1">
+                  <a:spLocks noRot="1" noChangeAspect="1" noMove="1" noResize="1" noEditPoints="1" noAdjustHandles="1" noChangeArrowheads="1" noChangeShapeType="1" noTextEdit="1"/>
+                </p:cNvSpPr>
+                <p:nvPr/>
+              </p:nvSpPr>
+              <p:spPr>
+                <a:xfrm>
+                  <a:off x="1560442" y="2499829"/>
+                  <a:ext cx="545277" cy="246221"/>
+                </a:xfrm>
+                <a:prstGeom prst="rect">
+                  <a:avLst/>
+                </a:prstGeom>
+                <a:blipFill>
+                  <a:blip r:embed="rId3"/>
+                  <a:stretch>
+                    <a:fillRect b="-9524"/>
+                  </a:stretch>
+                </a:blipFill>
+              </p:spPr>
+              <p:txBody>
+                <a:bodyPr/>
+                <a:lstStyle/>
+                <a:p>
+                  <a:r>
+                    <a:rPr lang="en-US">
+                      <a:noFill/>
+                    </a:rPr>
+                    <a:t> </a:t>
+                  </a:r>
+                </a:p>
+              </p:txBody>
+            </p:sp>
+          </mc:Fallback>
+        </mc:AlternateContent>
+        <p:cxnSp>
+          <p:nvCxnSpPr>
+            <p:cNvPr id="8" name="Straight Arrow Connector 7">
+              <a:extLst>
+                <a:ext uri="{FF2B5EF4-FFF2-40B4-BE49-F238E27FC236}">
+                  <a16:creationId xmlns:a16="http://schemas.microsoft.com/office/drawing/2014/main" id="{FF7A318E-F52C-63D7-DB53-8FE8D9C06E26}"/>
+                </a:ext>
+              </a:extLst>
+            </p:cNvPr>
+            <p:cNvCxnSpPr>
+              <a:stCxn id="5" idx="0"/>
+              <a:endCxn id="4" idx="2"/>
+            </p:cNvCxnSpPr>
+            <p:nvPr/>
+          </p:nvCxnSpPr>
+          <p:spPr>
+            <a:xfrm flipV="1">
+              <a:off x="1829875" y="1796725"/>
+              <a:ext cx="1" cy="228441"/>
+            </a:xfrm>
+            <a:prstGeom prst="straightConnector1">
+              <a:avLst/>
+            </a:prstGeom>
+            <a:ln>
+              <a:tailEnd type="triangle"/>
+            </a:ln>
+          </p:spPr>
+          <p:style>
+            <a:lnRef idx="1">
+              <a:schemeClr val="accent1"/>
+            </a:lnRef>
+            <a:fillRef idx="0">
+              <a:schemeClr val="accent1"/>
+            </a:fillRef>
+            <a:effectRef idx="0">
+              <a:schemeClr val="accent1"/>
+            </a:effectRef>
+            <a:fontRef idx="minor">
+              <a:schemeClr val="tx1"/>
+            </a:fontRef>
+          </p:style>
+        </p:cxnSp>
+        <p:cxnSp>
+          <p:nvCxnSpPr>
+            <p:cNvPr id="10" name="Straight Arrow Connector 9">
+              <a:extLst>
+                <a:ext uri="{FF2B5EF4-FFF2-40B4-BE49-F238E27FC236}">
+                  <a16:creationId xmlns:a16="http://schemas.microsoft.com/office/drawing/2014/main" id="{023B65B1-8B18-1114-3D4E-E5B7E485D800}"/>
+                </a:ext>
+              </a:extLst>
+            </p:cNvPr>
+            <p:cNvCxnSpPr>
+              <a:stCxn id="6" idx="0"/>
+              <a:endCxn id="5" idx="2"/>
+            </p:cNvCxnSpPr>
+            <p:nvPr/>
+          </p:nvCxnSpPr>
+          <p:spPr>
+            <a:xfrm flipH="1" flipV="1">
+              <a:off x="1829875" y="2271387"/>
+              <a:ext cx="3206" cy="228442"/>
+            </a:xfrm>
+            <a:prstGeom prst="straightConnector1">
+              <a:avLst/>
+            </a:prstGeom>
+            <a:ln>
+              <a:tailEnd type="triangle"/>
+            </a:ln>
+          </p:spPr>
+          <p:style>
+            <a:lnRef idx="1">
+              <a:schemeClr val="accent1"/>
+            </a:lnRef>
+            <a:fillRef idx="0">
+              <a:schemeClr val="accent1"/>
+            </a:fillRef>
+            <a:effectRef idx="0">
+              <a:schemeClr val="accent1"/>
+            </a:effectRef>
+            <a:fontRef idx="minor">
+              <a:schemeClr val="tx1"/>
+            </a:fontRef>
+          </p:style>
+        </p:cxnSp>
+        <p:cxnSp>
+          <p:nvCxnSpPr>
+            <p:cNvPr id="12" name="Elbow Connector 11">
+              <a:extLst>
+                <a:ext uri="{FF2B5EF4-FFF2-40B4-BE49-F238E27FC236}">
+                  <a16:creationId xmlns:a16="http://schemas.microsoft.com/office/drawing/2014/main" id="{E8E88334-BDC4-0C52-01DA-2E3F4E8158A6}"/>
+                </a:ext>
+              </a:extLst>
+            </p:cNvPr>
+            <p:cNvCxnSpPr>
+              <a:stCxn id="5" idx="3"/>
+              <a:endCxn id="5" idx="1"/>
+            </p:cNvCxnSpPr>
+            <p:nvPr/>
+          </p:nvCxnSpPr>
+          <p:spPr>
+            <a:xfrm flipH="1">
+              <a:off x="1517129" y="2148277"/>
+              <a:ext cx="625492" cy="12700"/>
+            </a:xfrm>
+            <a:prstGeom prst="bentConnector5">
+              <a:avLst>
+                <a:gd name="adj1" fmla="val -36547"/>
+                <a:gd name="adj2" fmla="val -1705622"/>
+                <a:gd name="adj3" fmla="val 136547"/>
+              </a:avLst>
+            </a:prstGeom>
+            <a:ln>
+              <a:tailEnd type="triangle"/>
+            </a:ln>
+          </p:spPr>
+          <p:style>
+            <a:lnRef idx="1">
+              <a:schemeClr val="accent1"/>
+            </a:lnRef>
+            <a:fillRef idx="0">
+              <a:schemeClr val="accent1"/>
+            </a:fillRef>
+            <a:effectRef idx="0">
+              <a:schemeClr val="accent1"/>
+            </a:effectRef>
+            <a:fontRef idx="minor">
+              <a:schemeClr val="tx1"/>
+            </a:fontRef>
+          </p:style>
+        </p:cxnSp>
+        <mc:AlternateContent xmlns:mc="http://schemas.openxmlformats.org/markup-compatibility/2006">
+          <mc:Choice xmlns:a14="http://schemas.microsoft.com/office/drawing/2010/main" Requires="a14">
+            <p:sp>
+              <p:nvSpPr>
+                <p:cNvPr id="14" name="TextBox 13">
+                  <a:extLst>
+                    <a:ext uri="{FF2B5EF4-FFF2-40B4-BE49-F238E27FC236}">
+                      <a16:creationId xmlns:a16="http://schemas.microsoft.com/office/drawing/2014/main" id="{09518B94-1DB9-24FD-9F2E-8B79DB34FABA}"/>
+                    </a:ext>
+                  </a:extLst>
+                </p:cNvPr>
+                <p:cNvSpPr txBox="1"/>
+                <p:nvPr/>
+              </p:nvSpPr>
+              <p:spPr>
+                <a:xfrm>
+                  <a:off x="3170168" y="1550504"/>
+                  <a:ext cx="554960" cy="246221"/>
+                </a:xfrm>
+                <a:prstGeom prst="rect">
+                  <a:avLst/>
+                </a:prstGeom>
+                <a:solidFill>
+                  <a:schemeClr val="tx1"/>
+                </a:solidFill>
+              </p:spPr>
+              <p:txBody>
+                <a:bodyPr wrap="none" rtlCol="0">
+                  <a:spAutoFit/>
+                </a:bodyPr>
+                <a:lstStyle/>
+                <a:p>
+                  <a:r>
+                    <a:rPr lang="en-US" sz="1000" dirty="0">
+                      <a:solidFill>
+                        <a:schemeClr val="bg1"/>
+                      </a:solidFill>
+                    </a:rPr>
+                    <a:t>State </a:t>
+                  </a:r>
+                  <a14:m>
+                    <m:oMath xmlns:m="http://schemas.openxmlformats.org/officeDocument/2006/math">
+                      <m:r>
+                        <a:rPr lang="en-US" sz="1000" b="0" i="1" smtClean="0">
+                          <a:solidFill>
+                            <a:schemeClr val="bg1"/>
+                          </a:solidFill>
+                          <a:latin typeface="Cambria Math" panose="02040503050406030204" pitchFamily="18" charset="0"/>
+                        </a:rPr>
+                        <m:t>1</m:t>
+                      </m:r>
+                    </m:oMath>
+                  </a14:m>
+                  <a:endParaRPr lang="en-US" sz="1000" dirty="0">
+                    <a:solidFill>
+                      <a:schemeClr val="bg1"/>
+                    </a:solidFill>
+                  </a:endParaRPr>
+                </a:p>
+              </p:txBody>
+            </p:sp>
+          </mc:Choice>
+          <mc:Fallback>
+            <p:sp>
+              <p:nvSpPr>
+                <p:cNvPr id="14" name="TextBox 13">
+                  <a:extLst>
+                    <a:ext uri="{FF2B5EF4-FFF2-40B4-BE49-F238E27FC236}">
+                      <a16:creationId xmlns:a16="http://schemas.microsoft.com/office/drawing/2014/main" id="{09518B94-1DB9-24FD-9F2E-8B79DB34FABA}"/>
+                    </a:ext>
+                  </a:extLst>
+                </p:cNvPr>
+                <p:cNvSpPr txBox="1">
+                  <a:spLocks noRot="1" noChangeAspect="1" noMove="1" noResize="1" noEditPoints="1" noAdjustHandles="1" noChangeArrowheads="1" noChangeShapeType="1" noTextEdit="1"/>
+                </p:cNvSpPr>
+                <p:nvPr/>
+              </p:nvSpPr>
+              <p:spPr>
+                <a:xfrm>
+                  <a:off x="3170168" y="1550504"/>
+                  <a:ext cx="554960" cy="246221"/>
+                </a:xfrm>
+                <a:prstGeom prst="rect">
+                  <a:avLst/>
+                </a:prstGeom>
+                <a:blipFill>
+                  <a:blip r:embed="rId4"/>
+                  <a:stretch>
+                    <a:fillRect b="-9524"/>
+                  </a:stretch>
+                </a:blipFill>
+              </p:spPr>
+              <p:txBody>
+                <a:bodyPr/>
+                <a:lstStyle/>
+                <a:p>
+                  <a:r>
+                    <a:rPr lang="en-US">
+                      <a:noFill/>
+                    </a:rPr>
+                    <a:t> </a:t>
+                  </a:r>
+                </a:p>
+              </p:txBody>
+            </p:sp>
+          </mc:Fallback>
+        </mc:AlternateContent>
+        <p:sp>
+          <p:nvSpPr>
+            <p:cNvPr id="15" name="TextBox 14">
+              <a:extLst>
+                <a:ext uri="{FF2B5EF4-FFF2-40B4-BE49-F238E27FC236}">
+                  <a16:creationId xmlns:a16="http://schemas.microsoft.com/office/drawing/2014/main" id="{381BFA5A-F0BF-AF40-6901-B2FE3E4C0854}"/>
+                </a:ext>
+              </a:extLst>
+            </p:cNvPr>
+            <p:cNvSpPr txBox="1"/>
+            <p:nvPr/>
+          </p:nvSpPr>
+          <p:spPr>
+            <a:xfrm>
+              <a:off x="3126854" y="2025166"/>
+              <a:ext cx="625492" cy="246221"/>
+            </a:xfrm>
+            <a:prstGeom prst="rect">
+              <a:avLst/>
+            </a:prstGeom>
+            <a:solidFill>
+              <a:srgbClr val="FFC000"/>
+            </a:solidFill>
+          </p:spPr>
+          <p:txBody>
+            <a:bodyPr wrap="none" rtlCol="0">
+              <a:spAutoFit/>
+            </a:bodyPr>
+            <a:lstStyle/>
+            <a:p>
+              <a:r>
+                <a:rPr lang="en-US" sz="1000" dirty="0"/>
+                <a:t>RNN cell</a:t>
+              </a:r>
+            </a:p>
+          </p:txBody>
+        </p:sp>
+        <mc:AlternateContent xmlns:mc="http://schemas.openxmlformats.org/markup-compatibility/2006">
+          <mc:Choice xmlns:a14="http://schemas.microsoft.com/office/drawing/2010/main" Requires="a14">
+            <p:sp>
+              <p:nvSpPr>
+                <p:cNvPr id="16" name="TextBox 15">
+                  <a:extLst>
+                    <a:ext uri="{FF2B5EF4-FFF2-40B4-BE49-F238E27FC236}">
+                      <a16:creationId xmlns:a16="http://schemas.microsoft.com/office/drawing/2014/main" id="{61DE2039-D548-000F-9F0D-0582B6713952}"/>
+                    </a:ext>
+                  </a:extLst>
+                </p:cNvPr>
+                <p:cNvSpPr txBox="1"/>
+                <p:nvPr/>
+              </p:nvSpPr>
+              <p:spPr>
+                <a:xfrm>
+                  <a:off x="3157246" y="2499829"/>
+                  <a:ext cx="561372" cy="246221"/>
+                </a:xfrm>
+                <a:prstGeom prst="rect">
+                  <a:avLst/>
+                </a:prstGeom>
+                <a:solidFill>
+                  <a:schemeClr val="bg1">
+                    <a:lumMod val="75000"/>
+                  </a:schemeClr>
+                </a:solidFill>
+              </p:spPr>
+              <p:txBody>
+                <a:bodyPr wrap="none" rtlCol="0">
+                  <a:spAutoFit/>
+                </a:bodyPr>
+                <a:lstStyle/>
+                <a:p>
+                  <a:r>
+                    <a:rPr lang="en-US" sz="1000" dirty="0"/>
+                    <a:t>Input </a:t>
+                  </a:r>
+                  <a14:m>
+                    <m:oMath xmlns:m="http://schemas.openxmlformats.org/officeDocument/2006/math">
+                      <m:r>
+                        <a:rPr lang="en-US" sz="1000" b="0" i="1" smtClean="0">
+                          <a:latin typeface="Cambria Math" panose="02040503050406030204" pitchFamily="18" charset="0"/>
+                        </a:rPr>
+                        <m:t>1</m:t>
+                      </m:r>
+                    </m:oMath>
+                  </a14:m>
+                  <a:endParaRPr lang="en-US" sz="1000" dirty="0"/>
+                </a:p>
+              </p:txBody>
+            </p:sp>
+          </mc:Choice>
+          <mc:Fallback>
+            <p:sp>
+              <p:nvSpPr>
+                <p:cNvPr id="16" name="TextBox 15">
+                  <a:extLst>
+                    <a:ext uri="{FF2B5EF4-FFF2-40B4-BE49-F238E27FC236}">
+                      <a16:creationId xmlns:a16="http://schemas.microsoft.com/office/drawing/2014/main" id="{61DE2039-D548-000F-9F0D-0582B6713952}"/>
+                    </a:ext>
+                  </a:extLst>
+                </p:cNvPr>
+                <p:cNvSpPr txBox="1">
+                  <a:spLocks noRot="1" noChangeAspect="1" noMove="1" noResize="1" noEditPoints="1" noAdjustHandles="1" noChangeArrowheads="1" noChangeShapeType="1" noTextEdit="1"/>
+                </p:cNvSpPr>
+                <p:nvPr/>
+              </p:nvSpPr>
+              <p:spPr>
+                <a:xfrm>
+                  <a:off x="3157246" y="2499829"/>
+                  <a:ext cx="561372" cy="246221"/>
+                </a:xfrm>
+                <a:prstGeom prst="rect">
+                  <a:avLst/>
+                </a:prstGeom>
+                <a:blipFill>
+                  <a:blip r:embed="rId5"/>
+                  <a:stretch>
+                    <a:fillRect b="-9524"/>
+                  </a:stretch>
+                </a:blipFill>
+              </p:spPr>
+              <p:txBody>
+                <a:bodyPr/>
+                <a:lstStyle/>
+                <a:p>
+                  <a:r>
+                    <a:rPr lang="en-US">
+                      <a:noFill/>
+                    </a:rPr>
+                    <a:t> </a:t>
+                  </a:r>
+                </a:p>
+              </p:txBody>
+            </p:sp>
+          </mc:Fallback>
+        </mc:AlternateContent>
+        <p:cxnSp>
+          <p:nvCxnSpPr>
+            <p:cNvPr id="17" name="Straight Arrow Connector 16">
+              <a:extLst>
+                <a:ext uri="{FF2B5EF4-FFF2-40B4-BE49-F238E27FC236}">
+                  <a16:creationId xmlns:a16="http://schemas.microsoft.com/office/drawing/2014/main" id="{896341CE-3247-8435-B7CC-B558F225BAB8}"/>
+                </a:ext>
+              </a:extLst>
+            </p:cNvPr>
+            <p:cNvCxnSpPr>
+              <a:stCxn id="15" idx="0"/>
+              <a:endCxn id="14" idx="2"/>
+            </p:cNvCxnSpPr>
+            <p:nvPr/>
+          </p:nvCxnSpPr>
+          <p:spPr>
+            <a:xfrm flipV="1">
+              <a:off x="3439600" y="1796725"/>
+              <a:ext cx="8048" cy="228441"/>
+            </a:xfrm>
+            <a:prstGeom prst="straightConnector1">
+              <a:avLst/>
+            </a:prstGeom>
+            <a:ln>
+              <a:tailEnd type="triangle"/>
+            </a:ln>
+          </p:spPr>
+          <p:style>
+            <a:lnRef idx="1">
+              <a:schemeClr val="accent1"/>
+            </a:lnRef>
+            <a:fillRef idx="0">
+              <a:schemeClr val="accent1"/>
+            </a:fillRef>
+            <a:effectRef idx="0">
+              <a:schemeClr val="accent1"/>
+            </a:effectRef>
+            <a:fontRef idx="minor">
+              <a:schemeClr val="tx1"/>
+            </a:fontRef>
+          </p:style>
+        </p:cxnSp>
+        <p:cxnSp>
+          <p:nvCxnSpPr>
+            <p:cNvPr id="18" name="Straight Arrow Connector 17">
+              <a:extLst>
+                <a:ext uri="{FF2B5EF4-FFF2-40B4-BE49-F238E27FC236}">
+                  <a16:creationId xmlns:a16="http://schemas.microsoft.com/office/drawing/2014/main" id="{F0D0EA01-7614-DC10-6409-11138BD10973}"/>
+                </a:ext>
+              </a:extLst>
+            </p:cNvPr>
+            <p:cNvCxnSpPr>
+              <a:stCxn id="16" idx="0"/>
+              <a:endCxn id="15" idx="2"/>
+            </p:cNvCxnSpPr>
+            <p:nvPr/>
+          </p:nvCxnSpPr>
+          <p:spPr>
+            <a:xfrm flipV="1">
+              <a:off x="3437932" y="2271387"/>
+              <a:ext cx="1668" cy="228442"/>
+            </a:xfrm>
+            <a:prstGeom prst="straightConnector1">
+              <a:avLst/>
+            </a:prstGeom>
+            <a:ln>
+              <a:tailEnd type="triangle"/>
+            </a:ln>
+          </p:spPr>
+          <p:style>
+            <a:lnRef idx="1">
+              <a:schemeClr val="accent1"/>
+            </a:lnRef>
+            <a:fillRef idx="0">
+              <a:schemeClr val="accent1"/>
+            </a:fillRef>
+            <a:effectRef idx="0">
+              <a:schemeClr val="accent1"/>
+            </a:effectRef>
+            <a:fontRef idx="minor">
+              <a:schemeClr val="tx1"/>
+            </a:fontRef>
+          </p:style>
+        </p:cxnSp>
+        <mc:AlternateContent xmlns:mc="http://schemas.openxmlformats.org/markup-compatibility/2006">
+          <mc:Choice xmlns:a14="http://schemas.microsoft.com/office/drawing/2010/main" Requires="a14">
+            <p:sp>
+              <p:nvSpPr>
+                <p:cNvPr id="20" name="TextBox 19">
+                  <a:extLst>
+                    <a:ext uri="{FF2B5EF4-FFF2-40B4-BE49-F238E27FC236}">
+                      <a16:creationId xmlns:a16="http://schemas.microsoft.com/office/drawing/2014/main" id="{358B3652-1F1C-DAAF-AB16-66088A422342}"/>
+                    </a:ext>
+                  </a:extLst>
+                </p:cNvPr>
+                <p:cNvSpPr txBox="1"/>
+                <p:nvPr/>
+              </p:nvSpPr>
+              <p:spPr>
+                <a:xfrm>
+                  <a:off x="3968781" y="1554782"/>
+                  <a:ext cx="554960" cy="246221"/>
+                </a:xfrm>
+                <a:prstGeom prst="rect">
+                  <a:avLst/>
+                </a:prstGeom>
+                <a:solidFill>
+                  <a:schemeClr val="tx1"/>
+                </a:solidFill>
+              </p:spPr>
+              <p:txBody>
+                <a:bodyPr wrap="none" rtlCol="0">
+                  <a:spAutoFit/>
+                </a:bodyPr>
+                <a:lstStyle/>
+                <a:p>
+                  <a:r>
+                    <a:rPr lang="en-US" sz="1000" dirty="0">
+                      <a:solidFill>
+                        <a:schemeClr val="bg1"/>
+                      </a:solidFill>
+                    </a:rPr>
+                    <a:t>State </a:t>
+                  </a:r>
+                  <a14:m>
+                    <m:oMath xmlns:m="http://schemas.openxmlformats.org/officeDocument/2006/math">
+                      <m:r>
+                        <a:rPr lang="en-US" sz="1000" b="0" i="1" smtClean="0">
+                          <a:solidFill>
+                            <a:schemeClr val="bg1"/>
+                          </a:solidFill>
+                          <a:latin typeface="Cambria Math" panose="02040503050406030204" pitchFamily="18" charset="0"/>
+                        </a:rPr>
+                        <m:t>2</m:t>
+                      </m:r>
+                    </m:oMath>
+                  </a14:m>
+                  <a:endParaRPr lang="en-US" sz="1000" dirty="0">
+                    <a:solidFill>
+                      <a:schemeClr val="bg1"/>
+                    </a:solidFill>
+                  </a:endParaRPr>
+                </a:p>
+              </p:txBody>
+            </p:sp>
+          </mc:Choice>
+          <mc:Fallback>
+            <p:sp>
+              <p:nvSpPr>
+                <p:cNvPr id="20" name="TextBox 19">
+                  <a:extLst>
+                    <a:ext uri="{FF2B5EF4-FFF2-40B4-BE49-F238E27FC236}">
+                      <a16:creationId xmlns:a16="http://schemas.microsoft.com/office/drawing/2014/main" id="{358B3652-1F1C-DAAF-AB16-66088A422342}"/>
+                    </a:ext>
+                  </a:extLst>
+                </p:cNvPr>
+                <p:cNvSpPr txBox="1">
+                  <a:spLocks noRot="1" noChangeAspect="1" noMove="1" noResize="1" noEditPoints="1" noAdjustHandles="1" noChangeArrowheads="1" noChangeShapeType="1" noTextEdit="1"/>
+                </p:cNvSpPr>
+                <p:nvPr/>
+              </p:nvSpPr>
+              <p:spPr>
+                <a:xfrm>
+                  <a:off x="3968781" y="1554782"/>
+                  <a:ext cx="554960" cy="246221"/>
+                </a:xfrm>
+                <a:prstGeom prst="rect">
+                  <a:avLst/>
+                </a:prstGeom>
+                <a:blipFill>
+                  <a:blip r:embed="rId6"/>
+                  <a:stretch>
+                    <a:fillRect b="-15000"/>
+                  </a:stretch>
+                </a:blipFill>
+              </p:spPr>
+              <p:txBody>
+                <a:bodyPr/>
+                <a:lstStyle/>
+                <a:p>
+                  <a:r>
+                    <a:rPr lang="en-US">
+                      <a:noFill/>
+                    </a:rPr>
+                    <a:t> </a:t>
+                  </a:r>
+                </a:p>
+              </p:txBody>
+            </p:sp>
+          </mc:Fallback>
+        </mc:AlternateContent>
+        <p:sp>
+          <p:nvSpPr>
+            <p:cNvPr id="21" name="TextBox 20">
+              <a:extLst>
+                <a:ext uri="{FF2B5EF4-FFF2-40B4-BE49-F238E27FC236}">
+                  <a16:creationId xmlns:a16="http://schemas.microsoft.com/office/drawing/2014/main" id="{58C75D99-8EDC-2A93-41C4-32A2779DA6B9}"/>
+                </a:ext>
+              </a:extLst>
+            </p:cNvPr>
+            <p:cNvSpPr txBox="1"/>
+            <p:nvPr/>
+          </p:nvSpPr>
+          <p:spPr>
+            <a:xfrm>
+              <a:off x="3935151" y="2025166"/>
+              <a:ext cx="625492" cy="246221"/>
+            </a:xfrm>
+            <a:prstGeom prst="rect">
+              <a:avLst/>
+            </a:prstGeom>
+            <a:solidFill>
+              <a:srgbClr val="FFC000"/>
+            </a:solidFill>
+          </p:spPr>
+          <p:txBody>
+            <a:bodyPr wrap="none" rtlCol="0">
+              <a:spAutoFit/>
+            </a:bodyPr>
+            <a:lstStyle/>
+            <a:p>
+              <a:r>
+                <a:rPr lang="en-US" sz="1000" dirty="0"/>
+                <a:t>RNN cell</a:t>
+              </a:r>
+            </a:p>
+          </p:txBody>
+        </p:sp>
+        <mc:AlternateContent xmlns:mc="http://schemas.openxmlformats.org/markup-compatibility/2006">
+          <mc:Choice xmlns:a14="http://schemas.microsoft.com/office/drawing/2010/main" Requires="a14">
+            <p:sp>
+              <p:nvSpPr>
+                <p:cNvPr id="22" name="TextBox 21">
+                  <a:extLst>
+                    <a:ext uri="{FF2B5EF4-FFF2-40B4-BE49-F238E27FC236}">
+                      <a16:creationId xmlns:a16="http://schemas.microsoft.com/office/drawing/2014/main" id="{065E35CD-CCE3-03EC-8529-9BFDEEC1DB5E}"/>
+                    </a:ext>
+                  </a:extLst>
+                </p:cNvPr>
+                <p:cNvSpPr txBox="1"/>
+                <p:nvPr/>
+              </p:nvSpPr>
+              <p:spPr>
+                <a:xfrm>
+                  <a:off x="3965575" y="2504108"/>
+                  <a:ext cx="561372" cy="246221"/>
+                </a:xfrm>
+                <a:prstGeom prst="rect">
+                  <a:avLst/>
+                </a:prstGeom>
+                <a:solidFill>
+                  <a:schemeClr val="bg1">
+                    <a:lumMod val="75000"/>
+                  </a:schemeClr>
+                </a:solidFill>
+              </p:spPr>
+              <p:txBody>
+                <a:bodyPr wrap="none" rtlCol="0">
+                  <a:spAutoFit/>
+                </a:bodyPr>
+                <a:lstStyle/>
+                <a:p>
+                  <a:r>
+                    <a:rPr lang="en-US" sz="1000" dirty="0"/>
+                    <a:t>Input </a:t>
+                  </a:r>
+                  <a14:m>
+                    <m:oMath xmlns:m="http://schemas.openxmlformats.org/officeDocument/2006/math">
+                      <m:r>
+                        <a:rPr lang="en-US" sz="1000" b="0" i="1" smtClean="0">
+                          <a:latin typeface="Cambria Math" panose="02040503050406030204" pitchFamily="18" charset="0"/>
+                        </a:rPr>
+                        <m:t>2</m:t>
+                      </m:r>
+                    </m:oMath>
+                  </a14:m>
+                  <a:endParaRPr lang="en-US" sz="1000" dirty="0"/>
+                </a:p>
+              </p:txBody>
+            </p:sp>
+          </mc:Choice>
+          <mc:Fallback>
+            <p:sp>
+              <p:nvSpPr>
+                <p:cNvPr id="22" name="TextBox 21">
+                  <a:extLst>
+                    <a:ext uri="{FF2B5EF4-FFF2-40B4-BE49-F238E27FC236}">
+                      <a16:creationId xmlns:a16="http://schemas.microsoft.com/office/drawing/2014/main" id="{065E35CD-CCE3-03EC-8529-9BFDEEC1DB5E}"/>
+                    </a:ext>
+                  </a:extLst>
+                </p:cNvPr>
+                <p:cNvSpPr txBox="1">
+                  <a:spLocks noRot="1" noChangeAspect="1" noMove="1" noResize="1" noEditPoints="1" noAdjustHandles="1" noChangeArrowheads="1" noChangeShapeType="1" noTextEdit="1"/>
+                </p:cNvSpPr>
+                <p:nvPr/>
+              </p:nvSpPr>
+              <p:spPr>
+                <a:xfrm>
+                  <a:off x="3965575" y="2504108"/>
+                  <a:ext cx="561372" cy="246221"/>
+                </a:xfrm>
+                <a:prstGeom prst="rect">
+                  <a:avLst/>
+                </a:prstGeom>
+                <a:blipFill>
+                  <a:blip r:embed="rId7"/>
+                  <a:stretch>
+                    <a:fillRect b="-10000"/>
+                  </a:stretch>
+                </a:blipFill>
+              </p:spPr>
+              <p:txBody>
+                <a:bodyPr/>
+                <a:lstStyle/>
+                <a:p>
+                  <a:r>
+                    <a:rPr lang="en-US">
+                      <a:noFill/>
+                    </a:rPr>
+                    <a:t> </a:t>
+                  </a:r>
+                </a:p>
+              </p:txBody>
+            </p:sp>
+          </mc:Fallback>
+        </mc:AlternateContent>
+        <p:cxnSp>
+          <p:nvCxnSpPr>
+            <p:cNvPr id="23" name="Straight Arrow Connector 22">
+              <a:extLst>
+                <a:ext uri="{FF2B5EF4-FFF2-40B4-BE49-F238E27FC236}">
+                  <a16:creationId xmlns:a16="http://schemas.microsoft.com/office/drawing/2014/main" id="{4D8C33A2-2126-02A1-6767-89E1BE7B5560}"/>
+                </a:ext>
+              </a:extLst>
+            </p:cNvPr>
+            <p:cNvCxnSpPr>
+              <a:stCxn id="21" idx="0"/>
+              <a:endCxn id="20" idx="2"/>
+            </p:cNvCxnSpPr>
+            <p:nvPr/>
+          </p:nvCxnSpPr>
+          <p:spPr>
+            <a:xfrm flipH="1" flipV="1">
+              <a:off x="4246261" y="1801003"/>
+              <a:ext cx="1636" cy="224163"/>
+            </a:xfrm>
+            <a:prstGeom prst="straightConnector1">
+              <a:avLst/>
+            </a:prstGeom>
+            <a:ln>
+              <a:tailEnd type="triangle"/>
+            </a:ln>
+          </p:spPr>
+          <p:style>
+            <a:lnRef idx="1">
+              <a:schemeClr val="accent1"/>
+            </a:lnRef>
+            <a:fillRef idx="0">
+              <a:schemeClr val="accent1"/>
+            </a:fillRef>
+            <a:effectRef idx="0">
+              <a:schemeClr val="accent1"/>
+            </a:effectRef>
+            <a:fontRef idx="minor">
+              <a:schemeClr val="tx1"/>
+            </a:fontRef>
+          </p:style>
+        </p:cxnSp>
+        <p:cxnSp>
+          <p:nvCxnSpPr>
+            <p:cNvPr id="24" name="Straight Arrow Connector 23">
+              <a:extLst>
+                <a:ext uri="{FF2B5EF4-FFF2-40B4-BE49-F238E27FC236}">
+                  <a16:creationId xmlns:a16="http://schemas.microsoft.com/office/drawing/2014/main" id="{7904228B-3E83-BF72-91C8-79328B0BCFF6}"/>
+                </a:ext>
+              </a:extLst>
+            </p:cNvPr>
+            <p:cNvCxnSpPr>
+              <a:stCxn id="22" idx="0"/>
+              <a:endCxn id="21" idx="2"/>
+            </p:cNvCxnSpPr>
+            <p:nvPr/>
+          </p:nvCxnSpPr>
+          <p:spPr>
+            <a:xfrm flipV="1">
+              <a:off x="4246261" y="2271387"/>
+              <a:ext cx="1636" cy="232721"/>
+            </a:xfrm>
+            <a:prstGeom prst="straightConnector1">
+              <a:avLst/>
+            </a:prstGeom>
+            <a:ln>
+              <a:tailEnd type="triangle"/>
+            </a:ln>
+          </p:spPr>
+          <p:style>
+            <a:lnRef idx="1">
+              <a:schemeClr val="accent1"/>
+            </a:lnRef>
+            <a:fillRef idx="0">
+              <a:schemeClr val="accent1"/>
+            </a:fillRef>
+            <a:effectRef idx="0">
+              <a:schemeClr val="accent1"/>
+            </a:effectRef>
+            <a:fontRef idx="minor">
+              <a:schemeClr val="tx1"/>
+            </a:fontRef>
+          </p:style>
+        </p:cxnSp>
+        <mc:AlternateContent xmlns:mc="http://schemas.openxmlformats.org/markup-compatibility/2006">
+          <mc:Choice xmlns:a14="http://schemas.microsoft.com/office/drawing/2010/main" Requires="a14">
+            <p:sp>
+              <p:nvSpPr>
+                <p:cNvPr id="25" name="TextBox 24">
+                  <a:extLst>
+                    <a:ext uri="{FF2B5EF4-FFF2-40B4-BE49-F238E27FC236}">
+                      <a16:creationId xmlns:a16="http://schemas.microsoft.com/office/drawing/2014/main" id="{E6E801A6-C13C-E108-082D-A1B853105400}"/>
+                    </a:ext>
+                  </a:extLst>
+                </p:cNvPr>
+                <p:cNvSpPr txBox="1"/>
+                <p:nvPr/>
+              </p:nvSpPr>
+              <p:spPr>
+                <a:xfrm>
+                  <a:off x="4809564" y="1550503"/>
+                  <a:ext cx="554960" cy="246221"/>
+                </a:xfrm>
+                <a:prstGeom prst="rect">
+                  <a:avLst/>
+                </a:prstGeom>
+                <a:solidFill>
+                  <a:schemeClr val="tx1"/>
+                </a:solidFill>
+              </p:spPr>
+              <p:txBody>
+                <a:bodyPr wrap="none" rtlCol="0">
+                  <a:spAutoFit/>
+                </a:bodyPr>
+                <a:lstStyle/>
+                <a:p>
+                  <a:r>
+                    <a:rPr lang="en-US" sz="1000" dirty="0">
+                      <a:solidFill>
+                        <a:schemeClr val="bg1"/>
+                      </a:solidFill>
+                    </a:rPr>
+                    <a:t>State </a:t>
+                  </a:r>
+                  <a14:m>
+                    <m:oMath xmlns:m="http://schemas.openxmlformats.org/officeDocument/2006/math">
+                      <m:r>
+                        <a:rPr lang="en-US" sz="1000" b="0" i="1" smtClean="0">
+                          <a:solidFill>
+                            <a:schemeClr val="bg1"/>
+                          </a:solidFill>
+                          <a:latin typeface="Cambria Math" panose="02040503050406030204" pitchFamily="18" charset="0"/>
+                        </a:rPr>
+                        <m:t>3</m:t>
+                      </m:r>
+                    </m:oMath>
+                  </a14:m>
+                  <a:endParaRPr lang="en-US" sz="1000" dirty="0">
+                    <a:solidFill>
+                      <a:schemeClr val="bg1"/>
+                    </a:solidFill>
+                  </a:endParaRPr>
+                </a:p>
+              </p:txBody>
+            </p:sp>
+          </mc:Choice>
+          <mc:Fallback>
+            <p:sp>
+              <p:nvSpPr>
+                <p:cNvPr id="25" name="TextBox 24">
+                  <a:extLst>
+                    <a:ext uri="{FF2B5EF4-FFF2-40B4-BE49-F238E27FC236}">
+                      <a16:creationId xmlns:a16="http://schemas.microsoft.com/office/drawing/2014/main" id="{E6E801A6-C13C-E108-082D-A1B853105400}"/>
+                    </a:ext>
+                  </a:extLst>
+                </p:cNvPr>
+                <p:cNvSpPr txBox="1">
+                  <a:spLocks noRot="1" noChangeAspect="1" noMove="1" noResize="1" noEditPoints="1" noAdjustHandles="1" noChangeArrowheads="1" noChangeShapeType="1" noTextEdit="1"/>
+                </p:cNvSpPr>
+                <p:nvPr/>
+              </p:nvSpPr>
+              <p:spPr>
+                <a:xfrm>
+                  <a:off x="4809564" y="1550503"/>
+                  <a:ext cx="554960" cy="246221"/>
+                </a:xfrm>
+                <a:prstGeom prst="rect">
+                  <a:avLst/>
+                </a:prstGeom>
+                <a:blipFill>
+                  <a:blip r:embed="rId8"/>
+                  <a:stretch>
+                    <a:fillRect b="-9524"/>
+                  </a:stretch>
+                </a:blipFill>
+              </p:spPr>
+              <p:txBody>
+                <a:bodyPr/>
+                <a:lstStyle/>
+                <a:p>
+                  <a:r>
+                    <a:rPr lang="en-US">
+                      <a:noFill/>
+                    </a:rPr>
+                    <a:t> </a:t>
+                  </a:r>
+                </a:p>
+              </p:txBody>
+            </p:sp>
+          </mc:Fallback>
+        </mc:AlternateContent>
+        <p:sp>
+          <p:nvSpPr>
+            <p:cNvPr id="26" name="TextBox 25">
+              <a:extLst>
+                <a:ext uri="{FF2B5EF4-FFF2-40B4-BE49-F238E27FC236}">
+                  <a16:creationId xmlns:a16="http://schemas.microsoft.com/office/drawing/2014/main" id="{4DA08572-AA41-647F-351A-FD4045532F1A}"/>
+                </a:ext>
+              </a:extLst>
+            </p:cNvPr>
+            <p:cNvSpPr txBox="1"/>
+            <p:nvPr/>
+          </p:nvSpPr>
+          <p:spPr>
+            <a:xfrm>
+              <a:off x="4773480" y="2025166"/>
+              <a:ext cx="625492" cy="246221"/>
+            </a:xfrm>
+            <a:prstGeom prst="rect">
+              <a:avLst/>
+            </a:prstGeom>
+            <a:solidFill>
+              <a:srgbClr val="FFC000"/>
+            </a:solidFill>
+          </p:spPr>
+          <p:txBody>
+            <a:bodyPr wrap="none" rtlCol="0">
+              <a:spAutoFit/>
+            </a:bodyPr>
+            <a:lstStyle/>
+            <a:p>
+              <a:r>
+                <a:rPr lang="en-US" sz="1000" dirty="0"/>
+                <a:t>RNN cell</a:t>
+              </a:r>
+            </a:p>
+          </p:txBody>
+        </p:sp>
+        <mc:AlternateContent xmlns:mc="http://schemas.openxmlformats.org/markup-compatibility/2006">
+          <mc:Choice xmlns:a14="http://schemas.microsoft.com/office/drawing/2010/main" Requires="a14">
+            <p:sp>
+              <p:nvSpPr>
+                <p:cNvPr id="27" name="TextBox 26">
+                  <a:extLst>
+                    <a:ext uri="{FF2B5EF4-FFF2-40B4-BE49-F238E27FC236}">
+                      <a16:creationId xmlns:a16="http://schemas.microsoft.com/office/drawing/2014/main" id="{19E384D7-FC8F-674A-F8AB-A01CD332ADEA}"/>
+                    </a:ext>
+                  </a:extLst>
+                </p:cNvPr>
+                <p:cNvSpPr txBox="1"/>
+                <p:nvPr/>
+              </p:nvSpPr>
+              <p:spPr>
+                <a:xfrm>
+                  <a:off x="4803152" y="2499829"/>
+                  <a:ext cx="561372" cy="246221"/>
+                </a:xfrm>
+                <a:prstGeom prst="rect">
+                  <a:avLst/>
+                </a:prstGeom>
+                <a:solidFill>
+                  <a:schemeClr val="bg1">
+                    <a:lumMod val="75000"/>
+                  </a:schemeClr>
+                </a:solidFill>
+              </p:spPr>
+              <p:txBody>
+                <a:bodyPr wrap="none" rtlCol="0">
+                  <a:spAutoFit/>
+                </a:bodyPr>
+                <a:lstStyle/>
+                <a:p>
+                  <a:r>
+                    <a:rPr lang="en-US" sz="1000" dirty="0"/>
+                    <a:t>Input </a:t>
+                  </a:r>
+                  <a14:m>
+                    <m:oMath xmlns:m="http://schemas.openxmlformats.org/officeDocument/2006/math">
+                      <m:r>
+                        <a:rPr lang="en-US" sz="1000" b="0" i="1" smtClean="0">
+                          <a:latin typeface="Cambria Math" panose="02040503050406030204" pitchFamily="18" charset="0"/>
+                        </a:rPr>
+                        <m:t>3</m:t>
+                      </m:r>
+                    </m:oMath>
+                  </a14:m>
+                  <a:endParaRPr lang="en-US" sz="1000" dirty="0"/>
+                </a:p>
+              </p:txBody>
+            </p:sp>
+          </mc:Choice>
+          <mc:Fallback>
+            <p:sp>
+              <p:nvSpPr>
+                <p:cNvPr id="27" name="TextBox 26">
+                  <a:extLst>
+                    <a:ext uri="{FF2B5EF4-FFF2-40B4-BE49-F238E27FC236}">
+                      <a16:creationId xmlns:a16="http://schemas.microsoft.com/office/drawing/2014/main" id="{19E384D7-FC8F-674A-F8AB-A01CD332ADEA}"/>
+                    </a:ext>
+                  </a:extLst>
+                </p:cNvPr>
+                <p:cNvSpPr txBox="1">
+                  <a:spLocks noRot="1" noChangeAspect="1" noMove="1" noResize="1" noEditPoints="1" noAdjustHandles="1" noChangeArrowheads="1" noChangeShapeType="1" noTextEdit="1"/>
+                </p:cNvSpPr>
+                <p:nvPr/>
+              </p:nvSpPr>
+              <p:spPr>
+                <a:xfrm>
+                  <a:off x="4803152" y="2499829"/>
+                  <a:ext cx="561372" cy="246221"/>
+                </a:xfrm>
+                <a:prstGeom prst="rect">
+                  <a:avLst/>
+                </a:prstGeom>
+                <a:blipFill>
+                  <a:blip r:embed="rId9"/>
+                  <a:stretch>
+                    <a:fillRect b="-9524"/>
+                  </a:stretch>
+                </a:blipFill>
+              </p:spPr>
+              <p:txBody>
+                <a:bodyPr/>
+                <a:lstStyle/>
+                <a:p>
+                  <a:r>
+                    <a:rPr lang="en-US">
+                      <a:noFill/>
+                    </a:rPr>
+                    <a:t> </a:t>
+                  </a:r>
+                </a:p>
+              </p:txBody>
+            </p:sp>
+          </mc:Fallback>
+        </mc:AlternateContent>
+        <p:cxnSp>
+          <p:nvCxnSpPr>
+            <p:cNvPr id="28" name="Straight Arrow Connector 27">
+              <a:extLst>
+                <a:ext uri="{FF2B5EF4-FFF2-40B4-BE49-F238E27FC236}">
+                  <a16:creationId xmlns:a16="http://schemas.microsoft.com/office/drawing/2014/main" id="{2B4F8568-E425-4B2A-BDAA-ED8A8F97BB37}"/>
+                </a:ext>
+              </a:extLst>
+            </p:cNvPr>
+            <p:cNvCxnSpPr>
+              <a:stCxn id="26" idx="0"/>
+              <a:endCxn id="25" idx="2"/>
+            </p:cNvCxnSpPr>
+            <p:nvPr/>
+          </p:nvCxnSpPr>
+          <p:spPr>
+            <a:xfrm flipV="1">
+              <a:off x="5086226" y="1796724"/>
+              <a:ext cx="818" cy="228442"/>
+            </a:xfrm>
+            <a:prstGeom prst="straightConnector1">
+              <a:avLst/>
+            </a:prstGeom>
+            <a:ln>
+              <a:tailEnd type="triangle"/>
+            </a:ln>
+          </p:spPr>
+          <p:style>
+            <a:lnRef idx="1">
+              <a:schemeClr val="accent1"/>
+            </a:lnRef>
+            <a:fillRef idx="0">
+              <a:schemeClr val="accent1"/>
+            </a:fillRef>
+            <a:effectRef idx="0">
+              <a:schemeClr val="accent1"/>
+            </a:effectRef>
+            <a:fontRef idx="minor">
+              <a:schemeClr val="tx1"/>
+            </a:fontRef>
+          </p:style>
+        </p:cxnSp>
+        <p:cxnSp>
+          <p:nvCxnSpPr>
+            <p:cNvPr id="29" name="Straight Arrow Connector 28">
+              <a:extLst>
+                <a:ext uri="{FF2B5EF4-FFF2-40B4-BE49-F238E27FC236}">
+                  <a16:creationId xmlns:a16="http://schemas.microsoft.com/office/drawing/2014/main" id="{F3C32AF6-4A38-6A0F-57FB-E5A146784A98}"/>
+                </a:ext>
+              </a:extLst>
+            </p:cNvPr>
+            <p:cNvCxnSpPr>
+              <a:stCxn id="27" idx="0"/>
+              <a:endCxn id="26" idx="2"/>
+            </p:cNvCxnSpPr>
+            <p:nvPr/>
+          </p:nvCxnSpPr>
+          <p:spPr>
+            <a:xfrm flipV="1">
+              <a:off x="5083838" y="2271387"/>
+              <a:ext cx="2388" cy="228442"/>
+            </a:xfrm>
+            <a:prstGeom prst="straightConnector1">
+              <a:avLst/>
+            </a:prstGeom>
+            <a:ln>
+              <a:tailEnd type="triangle"/>
+            </a:ln>
+          </p:spPr>
+          <p:style>
+            <a:lnRef idx="1">
+              <a:schemeClr val="accent1"/>
+            </a:lnRef>
+            <a:fillRef idx="0">
+              <a:schemeClr val="accent1"/>
+            </a:fillRef>
+            <a:effectRef idx="0">
+              <a:schemeClr val="accent1"/>
+            </a:effectRef>
+            <a:fontRef idx="minor">
+              <a:schemeClr val="tx1"/>
+            </a:fontRef>
+          </p:style>
+        </p:cxnSp>
+        <mc:AlternateContent xmlns:mc="http://schemas.openxmlformats.org/markup-compatibility/2006">
+          <mc:Choice xmlns:a14="http://schemas.microsoft.com/office/drawing/2010/main" Requires="a14">
+            <p:sp>
+              <p:nvSpPr>
+                <p:cNvPr id="30" name="TextBox 29">
+                  <a:extLst>
+                    <a:ext uri="{FF2B5EF4-FFF2-40B4-BE49-F238E27FC236}">
+                      <a16:creationId xmlns:a16="http://schemas.microsoft.com/office/drawing/2014/main" id="{C86D881C-E400-2136-6485-B58EC67903F1}"/>
+                    </a:ext>
+                  </a:extLst>
+                </p:cNvPr>
+                <p:cNvSpPr txBox="1"/>
+                <p:nvPr/>
+              </p:nvSpPr>
+              <p:spPr>
+                <a:xfrm>
+                  <a:off x="5961457" y="1550504"/>
+                  <a:ext cx="538865" cy="246221"/>
+                </a:xfrm>
+                <a:prstGeom prst="rect">
+                  <a:avLst/>
+                </a:prstGeom>
+                <a:solidFill>
+                  <a:schemeClr val="tx1"/>
+                </a:solidFill>
+              </p:spPr>
+              <p:txBody>
+                <a:bodyPr wrap="none" rtlCol="0">
+                  <a:spAutoFit/>
+                </a:bodyPr>
+                <a:lstStyle/>
+                <a:p>
+                  <a:r>
+                    <a:rPr lang="en-US" sz="1000" dirty="0">
+                      <a:solidFill>
+                        <a:schemeClr val="bg1"/>
+                      </a:solidFill>
+                    </a:rPr>
+                    <a:t>State </a:t>
+                  </a:r>
+                  <a14:m>
+                    <m:oMath xmlns:m="http://schemas.openxmlformats.org/officeDocument/2006/math">
+                      <m:r>
+                        <a:rPr lang="en-US" sz="1000" i="1" dirty="0" smtClean="0">
+                          <a:solidFill>
+                            <a:schemeClr val="bg1"/>
+                          </a:solidFill>
+                          <a:latin typeface="Cambria Math" panose="02040503050406030204" pitchFamily="18" charset="0"/>
+                        </a:rPr>
+                        <m:t>𝑡</m:t>
+                      </m:r>
+                    </m:oMath>
+                  </a14:m>
+                  <a:endParaRPr lang="en-US" sz="1000" dirty="0">
+                    <a:solidFill>
+                      <a:schemeClr val="bg1"/>
+                    </a:solidFill>
+                  </a:endParaRPr>
+                </a:p>
+              </p:txBody>
+            </p:sp>
+          </mc:Choice>
+          <mc:Fallback>
+            <p:sp>
+              <p:nvSpPr>
+                <p:cNvPr id="30" name="TextBox 29">
+                  <a:extLst>
+                    <a:ext uri="{FF2B5EF4-FFF2-40B4-BE49-F238E27FC236}">
+                      <a16:creationId xmlns:a16="http://schemas.microsoft.com/office/drawing/2014/main" id="{C86D881C-E400-2136-6485-B58EC67903F1}"/>
+                    </a:ext>
+                  </a:extLst>
+                </p:cNvPr>
+                <p:cNvSpPr txBox="1">
+                  <a:spLocks noRot="1" noChangeAspect="1" noMove="1" noResize="1" noEditPoints="1" noAdjustHandles="1" noChangeArrowheads="1" noChangeShapeType="1" noTextEdit="1"/>
+                </p:cNvSpPr>
+                <p:nvPr/>
+              </p:nvSpPr>
+              <p:spPr>
+                <a:xfrm>
+                  <a:off x="5961457" y="1550504"/>
+                  <a:ext cx="538865" cy="246221"/>
+                </a:xfrm>
+                <a:prstGeom prst="rect">
+                  <a:avLst/>
+                </a:prstGeom>
+                <a:blipFill>
+                  <a:blip r:embed="rId10"/>
+                  <a:stretch>
+                    <a:fillRect b="-9524"/>
+                  </a:stretch>
+                </a:blipFill>
+              </p:spPr>
+              <p:txBody>
+                <a:bodyPr/>
+                <a:lstStyle/>
+                <a:p>
+                  <a:r>
+                    <a:rPr lang="en-US">
+                      <a:noFill/>
+                    </a:rPr>
+                    <a:t> </a:t>
+                  </a:r>
+                </a:p>
+              </p:txBody>
+            </p:sp>
+          </mc:Fallback>
+        </mc:AlternateContent>
+        <p:sp>
+          <p:nvSpPr>
+            <p:cNvPr id="31" name="TextBox 30">
+              <a:extLst>
+                <a:ext uri="{FF2B5EF4-FFF2-40B4-BE49-F238E27FC236}">
+                  <a16:creationId xmlns:a16="http://schemas.microsoft.com/office/drawing/2014/main" id="{5A32422E-EFAA-47C9-E7A0-DCA40F2DC704}"/>
+                </a:ext>
+              </a:extLst>
+            </p:cNvPr>
+            <p:cNvSpPr txBox="1"/>
+            <p:nvPr/>
+          </p:nvSpPr>
+          <p:spPr>
+            <a:xfrm>
+              <a:off x="5918143" y="2025166"/>
+              <a:ext cx="625492" cy="246221"/>
+            </a:xfrm>
+            <a:prstGeom prst="rect">
+              <a:avLst/>
+            </a:prstGeom>
+            <a:solidFill>
+              <a:srgbClr val="FFC000"/>
+            </a:solidFill>
+          </p:spPr>
+          <p:txBody>
+            <a:bodyPr wrap="none" rtlCol="0">
+              <a:spAutoFit/>
+            </a:bodyPr>
+            <a:lstStyle/>
+            <a:p>
+              <a:r>
+                <a:rPr lang="en-US" sz="1000" dirty="0"/>
+                <a:t>RNN cell</a:t>
+              </a:r>
+            </a:p>
+          </p:txBody>
+        </p:sp>
+        <mc:AlternateContent xmlns:mc="http://schemas.openxmlformats.org/markup-compatibility/2006">
+          <mc:Choice xmlns:a14="http://schemas.microsoft.com/office/drawing/2010/main" Requires="a14">
+            <p:sp>
+              <p:nvSpPr>
+                <p:cNvPr id="32" name="TextBox 31">
+                  <a:extLst>
+                    <a:ext uri="{FF2B5EF4-FFF2-40B4-BE49-F238E27FC236}">
+                      <a16:creationId xmlns:a16="http://schemas.microsoft.com/office/drawing/2014/main" id="{483D6BF1-303F-BB50-D488-4FD6A6B45344}"/>
+                    </a:ext>
+                  </a:extLst>
+                </p:cNvPr>
+                <p:cNvSpPr txBox="1"/>
+                <p:nvPr/>
+              </p:nvSpPr>
+              <p:spPr>
+                <a:xfrm>
+                  <a:off x="5961456" y="2499829"/>
+                  <a:ext cx="545277" cy="246221"/>
+                </a:xfrm>
+                <a:prstGeom prst="rect">
+                  <a:avLst/>
+                </a:prstGeom>
+                <a:solidFill>
+                  <a:schemeClr val="bg1">
+                    <a:lumMod val="75000"/>
+                  </a:schemeClr>
+                </a:solidFill>
+              </p:spPr>
+              <p:txBody>
+                <a:bodyPr wrap="none" rtlCol="0">
+                  <a:spAutoFit/>
+                </a:bodyPr>
+                <a:lstStyle/>
+                <a:p>
+                  <a:r>
+                    <a:rPr lang="en-US" sz="1000" dirty="0"/>
+                    <a:t>Input </a:t>
+                  </a:r>
+                  <a14:m>
+                    <m:oMath xmlns:m="http://schemas.openxmlformats.org/officeDocument/2006/math">
+                      <m:r>
+                        <a:rPr lang="en-US" sz="1000" i="1" dirty="0" smtClean="0">
+                          <a:latin typeface="Cambria Math" panose="02040503050406030204" pitchFamily="18" charset="0"/>
+                        </a:rPr>
+                        <m:t>𝑡</m:t>
+                      </m:r>
+                    </m:oMath>
+                  </a14:m>
+                  <a:endParaRPr lang="en-US" sz="1000" dirty="0"/>
+                </a:p>
+              </p:txBody>
+            </p:sp>
+          </mc:Choice>
+          <mc:Fallback>
+            <p:sp>
+              <p:nvSpPr>
+                <p:cNvPr id="32" name="TextBox 31">
+                  <a:extLst>
+                    <a:ext uri="{FF2B5EF4-FFF2-40B4-BE49-F238E27FC236}">
+                      <a16:creationId xmlns:a16="http://schemas.microsoft.com/office/drawing/2014/main" id="{483D6BF1-303F-BB50-D488-4FD6A6B45344}"/>
+                    </a:ext>
+                  </a:extLst>
+                </p:cNvPr>
+                <p:cNvSpPr txBox="1">
+                  <a:spLocks noRot="1" noChangeAspect="1" noMove="1" noResize="1" noEditPoints="1" noAdjustHandles="1" noChangeArrowheads="1" noChangeShapeType="1" noTextEdit="1"/>
+                </p:cNvSpPr>
+                <p:nvPr/>
+              </p:nvSpPr>
+              <p:spPr>
+                <a:xfrm>
+                  <a:off x="5961456" y="2499829"/>
+                  <a:ext cx="545277" cy="246221"/>
+                </a:xfrm>
+                <a:prstGeom prst="rect">
+                  <a:avLst/>
+                </a:prstGeom>
+                <a:blipFill>
+                  <a:blip r:embed="rId11"/>
+                  <a:stretch>
+                    <a:fillRect b="-9524"/>
+                  </a:stretch>
+                </a:blipFill>
+              </p:spPr>
+              <p:txBody>
+                <a:bodyPr/>
+                <a:lstStyle/>
+                <a:p>
+                  <a:r>
+                    <a:rPr lang="en-US">
+                      <a:noFill/>
+                    </a:rPr>
+                    <a:t> </a:t>
+                  </a:r>
+                </a:p>
+              </p:txBody>
+            </p:sp>
+          </mc:Fallback>
+        </mc:AlternateContent>
+        <p:cxnSp>
+          <p:nvCxnSpPr>
+            <p:cNvPr id="33" name="Straight Arrow Connector 32">
+              <a:extLst>
+                <a:ext uri="{FF2B5EF4-FFF2-40B4-BE49-F238E27FC236}">
+                  <a16:creationId xmlns:a16="http://schemas.microsoft.com/office/drawing/2014/main" id="{206C650B-4008-10A9-FE09-8B88DB8F474C}"/>
+                </a:ext>
+              </a:extLst>
+            </p:cNvPr>
+            <p:cNvCxnSpPr>
+              <a:stCxn id="31" idx="0"/>
+              <a:endCxn id="30" idx="2"/>
+            </p:cNvCxnSpPr>
+            <p:nvPr/>
+          </p:nvCxnSpPr>
+          <p:spPr>
+            <a:xfrm flipV="1">
+              <a:off x="6230889" y="1796725"/>
+              <a:ext cx="1" cy="228441"/>
+            </a:xfrm>
+            <a:prstGeom prst="straightConnector1">
+              <a:avLst/>
+            </a:prstGeom>
+            <a:ln>
+              <a:tailEnd type="triangle"/>
+            </a:ln>
+          </p:spPr>
+          <p:style>
+            <a:lnRef idx="1">
+              <a:schemeClr val="accent1"/>
+            </a:lnRef>
+            <a:fillRef idx="0">
+              <a:schemeClr val="accent1"/>
+            </a:fillRef>
+            <a:effectRef idx="0">
+              <a:schemeClr val="accent1"/>
+            </a:effectRef>
+            <a:fontRef idx="minor">
+              <a:schemeClr val="tx1"/>
+            </a:fontRef>
+          </p:style>
+        </p:cxnSp>
+        <p:cxnSp>
+          <p:nvCxnSpPr>
+            <p:cNvPr id="34" name="Straight Arrow Connector 33">
+              <a:extLst>
+                <a:ext uri="{FF2B5EF4-FFF2-40B4-BE49-F238E27FC236}">
+                  <a16:creationId xmlns:a16="http://schemas.microsoft.com/office/drawing/2014/main" id="{A7BBACA2-73E4-87DC-9067-95691FC4300D}"/>
+                </a:ext>
+              </a:extLst>
+            </p:cNvPr>
+            <p:cNvCxnSpPr>
+              <a:stCxn id="32" idx="0"/>
+              <a:endCxn id="31" idx="2"/>
+            </p:cNvCxnSpPr>
+            <p:nvPr/>
+          </p:nvCxnSpPr>
+          <p:spPr>
+            <a:xfrm flipH="1" flipV="1">
+              <a:off x="6230889" y="2271387"/>
+              <a:ext cx="3206" cy="228442"/>
+            </a:xfrm>
+            <a:prstGeom prst="straightConnector1">
+              <a:avLst/>
+            </a:prstGeom>
+            <a:ln>
+              <a:tailEnd type="triangle"/>
+            </a:ln>
+          </p:spPr>
+          <p:style>
+            <a:lnRef idx="1">
+              <a:schemeClr val="accent1"/>
+            </a:lnRef>
+            <a:fillRef idx="0">
+              <a:schemeClr val="accent1"/>
+            </a:fillRef>
+            <a:effectRef idx="0">
+              <a:schemeClr val="accent1"/>
+            </a:effectRef>
+            <a:fontRef idx="minor">
+              <a:schemeClr val="tx1"/>
+            </a:fontRef>
+          </p:style>
+        </p:cxnSp>
+        <p:cxnSp>
+          <p:nvCxnSpPr>
+            <p:cNvPr id="36" name="Straight Arrow Connector 35">
+              <a:extLst>
+                <a:ext uri="{FF2B5EF4-FFF2-40B4-BE49-F238E27FC236}">
+                  <a16:creationId xmlns:a16="http://schemas.microsoft.com/office/drawing/2014/main" id="{5C0B4CE0-3DF2-3A16-F584-F72F45B3CA85}"/>
+                </a:ext>
+              </a:extLst>
+            </p:cNvPr>
+            <p:cNvCxnSpPr>
+              <a:stCxn id="15" idx="3"/>
+              <a:endCxn id="21" idx="1"/>
+            </p:cNvCxnSpPr>
+            <p:nvPr/>
+          </p:nvCxnSpPr>
+          <p:spPr>
+            <a:xfrm>
+              <a:off x="3752346" y="2148277"/>
+              <a:ext cx="182805" cy="0"/>
+            </a:xfrm>
+            <a:prstGeom prst="straightConnector1">
+              <a:avLst/>
+            </a:prstGeom>
+            <a:ln>
+              <a:tailEnd type="triangle"/>
+            </a:ln>
+          </p:spPr>
+          <p:style>
+            <a:lnRef idx="1">
+              <a:schemeClr val="accent1"/>
+            </a:lnRef>
+            <a:fillRef idx="0">
+              <a:schemeClr val="accent1"/>
+            </a:fillRef>
+            <a:effectRef idx="0">
+              <a:schemeClr val="accent1"/>
+            </a:effectRef>
+            <a:fontRef idx="minor">
+              <a:schemeClr val="tx1"/>
+            </a:fontRef>
+          </p:style>
+        </p:cxnSp>
+        <p:cxnSp>
+          <p:nvCxnSpPr>
+            <p:cNvPr id="38" name="Straight Arrow Connector 37">
+              <a:extLst>
+                <a:ext uri="{FF2B5EF4-FFF2-40B4-BE49-F238E27FC236}">
+                  <a16:creationId xmlns:a16="http://schemas.microsoft.com/office/drawing/2014/main" id="{BC112D06-1E3E-3FE5-B380-FE6D12C43A93}"/>
+                </a:ext>
+              </a:extLst>
+            </p:cNvPr>
+            <p:cNvCxnSpPr>
+              <a:stCxn id="21" idx="3"/>
+              <a:endCxn id="26" idx="1"/>
+            </p:cNvCxnSpPr>
+            <p:nvPr/>
+          </p:nvCxnSpPr>
+          <p:spPr>
+            <a:xfrm>
+              <a:off x="4560643" y="2148277"/>
+              <a:ext cx="212837" cy="0"/>
+            </a:xfrm>
+            <a:prstGeom prst="straightConnector1">
+              <a:avLst/>
+            </a:prstGeom>
+            <a:ln>
+              <a:tailEnd type="triangle"/>
+            </a:ln>
+          </p:spPr>
+          <p:style>
+            <a:lnRef idx="1">
+              <a:schemeClr val="accent1"/>
+            </a:lnRef>
+            <a:fillRef idx="0">
+              <a:schemeClr val="accent1"/>
+            </a:fillRef>
+            <a:effectRef idx="0">
+              <a:schemeClr val="accent1"/>
+            </a:effectRef>
+            <a:fontRef idx="minor">
+              <a:schemeClr val="tx1"/>
+            </a:fontRef>
+          </p:style>
+        </p:cxnSp>
+        <p:cxnSp>
+          <p:nvCxnSpPr>
+            <p:cNvPr id="40" name="Straight Arrow Connector 39">
+              <a:extLst>
+                <a:ext uri="{FF2B5EF4-FFF2-40B4-BE49-F238E27FC236}">
+                  <a16:creationId xmlns:a16="http://schemas.microsoft.com/office/drawing/2014/main" id="{0E831F08-27AE-350B-901B-28AFEF8582E2}"/>
+                </a:ext>
+              </a:extLst>
+            </p:cNvPr>
+            <p:cNvCxnSpPr>
+              <a:stCxn id="26" idx="3"/>
+              <a:endCxn id="31" idx="1"/>
+            </p:cNvCxnSpPr>
+            <p:nvPr/>
+          </p:nvCxnSpPr>
+          <p:spPr>
+            <a:xfrm>
+              <a:off x="5398972" y="2148277"/>
+              <a:ext cx="519171" cy="0"/>
+            </a:xfrm>
+            <a:prstGeom prst="straightConnector1">
+              <a:avLst/>
+            </a:prstGeom>
+            <a:ln>
+              <a:tailEnd type="triangle"/>
+            </a:ln>
+          </p:spPr>
+          <p:style>
+            <a:lnRef idx="1">
+              <a:schemeClr val="accent1"/>
+            </a:lnRef>
+            <a:fillRef idx="0">
+              <a:schemeClr val="accent1"/>
+            </a:fillRef>
+            <a:effectRef idx="0">
+              <a:schemeClr val="accent1"/>
+            </a:effectRef>
+            <a:fontRef idx="minor">
+              <a:schemeClr val="tx1"/>
+            </a:fontRef>
+          </p:style>
+        </p:cxnSp>
+        <mc:AlternateContent xmlns:mc="http://schemas.openxmlformats.org/markup-compatibility/2006">
+          <mc:Choice xmlns:a14="http://schemas.microsoft.com/office/drawing/2010/main" Requires="a14">
+            <p:sp>
+              <p:nvSpPr>
+                <p:cNvPr id="46" name="TextBox 45">
+                  <a:extLst>
+                    <a:ext uri="{FF2B5EF4-FFF2-40B4-BE49-F238E27FC236}">
+                      <a16:creationId xmlns:a16="http://schemas.microsoft.com/office/drawing/2014/main" id="{8B278710-191D-FD8C-108B-695052168B72}"/>
+                    </a:ext>
+                  </a:extLst>
+                </p:cNvPr>
+                <p:cNvSpPr txBox="1"/>
+                <p:nvPr/>
+              </p:nvSpPr>
+              <p:spPr>
+                <a:xfrm>
+                  <a:off x="5447458" y="1488947"/>
+                  <a:ext cx="434734" cy="369332"/>
+                </a:xfrm>
+                <a:prstGeom prst="rect">
+                  <a:avLst/>
+                </a:prstGeom>
+                <a:noFill/>
+              </p:spPr>
+              <p:txBody>
+                <a:bodyPr wrap="none" rtlCol="0">
+                  <a:spAutoFit/>
+                </a:bodyPr>
+                <a:lstStyle/>
+                <a:p>
+                  <a14:m>
+                    <m:oMathPara xmlns:m="http://schemas.openxmlformats.org/officeDocument/2006/math">
+                      <m:oMathParaPr>
+                        <m:jc m:val="centerGroup"/>
+                      </m:oMathParaPr>
+                      <m:oMath xmlns:m="http://schemas.openxmlformats.org/officeDocument/2006/math">
+                        <m:r>
+                          <a:rPr lang="en-US" i="1" smtClean="0">
+                            <a:latin typeface="Cambria Math" panose="02040503050406030204" pitchFamily="18" charset="0"/>
+                          </a:rPr>
+                          <m:t>⋯</m:t>
+                        </m:r>
+                      </m:oMath>
+                    </m:oMathPara>
+                  </a14:m>
+                  <a:endParaRPr lang="en-US" dirty="0"/>
+                </a:p>
+              </p:txBody>
+            </p:sp>
+          </mc:Choice>
+          <mc:Fallback>
+            <p:sp>
+              <p:nvSpPr>
+                <p:cNvPr id="46" name="TextBox 45">
+                  <a:extLst>
+                    <a:ext uri="{FF2B5EF4-FFF2-40B4-BE49-F238E27FC236}">
+                      <a16:creationId xmlns:a16="http://schemas.microsoft.com/office/drawing/2014/main" id="{8B278710-191D-FD8C-108B-695052168B72}"/>
+                    </a:ext>
+                  </a:extLst>
+                </p:cNvPr>
+                <p:cNvSpPr txBox="1">
+                  <a:spLocks noRot="1" noChangeAspect="1" noMove="1" noResize="1" noEditPoints="1" noAdjustHandles="1" noChangeArrowheads="1" noChangeShapeType="1" noTextEdit="1"/>
+                </p:cNvSpPr>
+                <p:nvPr/>
+              </p:nvSpPr>
+              <p:spPr>
+                <a:xfrm>
+                  <a:off x="5447458" y="1488947"/>
+                  <a:ext cx="434734" cy="369332"/>
+                </a:xfrm>
+                <a:prstGeom prst="rect">
+                  <a:avLst/>
+                </a:prstGeom>
+                <a:blipFill>
+                  <a:blip r:embed="rId12"/>
+                  <a:stretch>
+                    <a:fillRect/>
+                  </a:stretch>
+                </a:blipFill>
+              </p:spPr>
+              <p:txBody>
+                <a:bodyPr/>
+                <a:lstStyle/>
+                <a:p>
+                  <a:r>
+                    <a:rPr lang="en-US">
+                      <a:noFill/>
+                    </a:rPr>
+                    <a:t> </a:t>
+                  </a:r>
+                </a:p>
+              </p:txBody>
+            </p:sp>
+          </mc:Fallback>
+        </mc:AlternateContent>
+        <mc:AlternateContent xmlns:mc="http://schemas.openxmlformats.org/markup-compatibility/2006">
+          <mc:Choice xmlns:a14="http://schemas.microsoft.com/office/drawing/2010/main" Requires="a14">
+            <p:sp>
+              <p:nvSpPr>
+                <p:cNvPr id="47" name="TextBox 46">
+                  <a:extLst>
+                    <a:ext uri="{FF2B5EF4-FFF2-40B4-BE49-F238E27FC236}">
+                      <a16:creationId xmlns:a16="http://schemas.microsoft.com/office/drawing/2014/main" id="{2790A397-B199-1E51-6CE1-A6A6AB38489A}"/>
+                    </a:ext>
+                  </a:extLst>
+                </p:cNvPr>
+                <p:cNvSpPr txBox="1"/>
+                <p:nvPr/>
+              </p:nvSpPr>
+              <p:spPr>
+                <a:xfrm>
+                  <a:off x="5450633" y="2416047"/>
+                  <a:ext cx="434734" cy="369332"/>
+                </a:xfrm>
+                <a:prstGeom prst="rect">
+                  <a:avLst/>
+                </a:prstGeom>
+                <a:noFill/>
+              </p:spPr>
+              <p:txBody>
+                <a:bodyPr wrap="none" rtlCol="0">
+                  <a:spAutoFit/>
+                </a:bodyPr>
+                <a:lstStyle/>
+                <a:p>
+                  <a14:m>
+                    <m:oMathPara xmlns:m="http://schemas.openxmlformats.org/officeDocument/2006/math">
+                      <m:oMathParaPr>
+                        <m:jc m:val="centerGroup"/>
+                      </m:oMathParaPr>
+                      <m:oMath xmlns:m="http://schemas.openxmlformats.org/officeDocument/2006/math">
+                        <m:r>
+                          <a:rPr lang="en-US" i="1" smtClean="0">
+                            <a:latin typeface="Cambria Math" panose="02040503050406030204" pitchFamily="18" charset="0"/>
+                          </a:rPr>
+                          <m:t>⋯</m:t>
+                        </m:r>
+                      </m:oMath>
+                    </m:oMathPara>
+                  </a14:m>
+                  <a:endParaRPr lang="en-US" dirty="0"/>
+                </a:p>
+              </p:txBody>
+            </p:sp>
+          </mc:Choice>
+          <mc:Fallback>
+            <p:sp>
+              <p:nvSpPr>
+                <p:cNvPr id="47" name="TextBox 46">
+                  <a:extLst>
+                    <a:ext uri="{FF2B5EF4-FFF2-40B4-BE49-F238E27FC236}">
+                      <a16:creationId xmlns:a16="http://schemas.microsoft.com/office/drawing/2014/main" id="{2790A397-B199-1E51-6CE1-A6A6AB38489A}"/>
+                    </a:ext>
+                  </a:extLst>
+                </p:cNvPr>
+                <p:cNvSpPr txBox="1">
+                  <a:spLocks noRot="1" noChangeAspect="1" noMove="1" noResize="1" noEditPoints="1" noAdjustHandles="1" noChangeArrowheads="1" noChangeShapeType="1" noTextEdit="1"/>
+                </p:cNvSpPr>
+                <p:nvPr/>
+              </p:nvSpPr>
+              <p:spPr>
+                <a:xfrm>
+                  <a:off x="5450633" y="2416047"/>
+                  <a:ext cx="434734" cy="369332"/>
+                </a:xfrm>
+                <a:prstGeom prst="rect">
+                  <a:avLst/>
+                </a:prstGeom>
+                <a:blipFill>
+                  <a:blip r:embed="rId12"/>
+                  <a:stretch>
+                    <a:fillRect/>
+                  </a:stretch>
+                </a:blipFill>
+              </p:spPr>
+              <p:txBody>
+                <a:bodyPr/>
+                <a:lstStyle/>
+                <a:p>
+                  <a:r>
+                    <a:rPr lang="en-US">
+                      <a:noFill/>
+                    </a:rPr>
+                    <a:t> </a:t>
+                  </a:r>
+                </a:p>
+              </p:txBody>
+            </p:sp>
+          </mc:Fallback>
+        </mc:AlternateContent>
+        <mc:AlternateContent xmlns:mc="http://schemas.openxmlformats.org/markup-compatibility/2006">
+          <mc:Choice xmlns:a14="http://schemas.microsoft.com/office/drawing/2010/main" Requires="a14">
+            <p:sp>
+              <p:nvSpPr>
+                <p:cNvPr id="48" name="TextBox 47">
+                  <a:extLst>
+                    <a:ext uri="{FF2B5EF4-FFF2-40B4-BE49-F238E27FC236}">
+                      <a16:creationId xmlns:a16="http://schemas.microsoft.com/office/drawing/2014/main" id="{4A05A61C-9824-5EBC-3C35-65A5366F707C}"/>
+                    </a:ext>
+                  </a:extLst>
+                </p:cNvPr>
+                <p:cNvSpPr txBox="1"/>
+                <p:nvPr/>
+              </p:nvSpPr>
+              <p:spPr>
+                <a:xfrm>
+                  <a:off x="2460406" y="1963610"/>
+                  <a:ext cx="510075" cy="369332"/>
+                </a:xfrm>
+                <a:prstGeom prst="rect">
+                  <a:avLst/>
+                </a:prstGeom>
+                <a:noFill/>
+              </p:spPr>
+              <p:txBody>
+                <a:bodyPr wrap="none" rtlCol="0">
+                  <a:spAutoFit/>
+                </a:bodyPr>
+                <a:lstStyle/>
+                <a:p>
+                  <a14:m>
+                    <m:oMathPara xmlns:m="http://schemas.openxmlformats.org/officeDocument/2006/math">
+                      <m:oMathParaPr>
+                        <m:jc m:val="centerGroup"/>
+                      </m:oMathParaPr>
+                      <m:oMath xmlns:m="http://schemas.openxmlformats.org/officeDocument/2006/math">
+                        <m:r>
+                          <a:rPr lang="en-US" i="1" smtClean="0">
+                            <a:latin typeface="Cambria Math" panose="02040503050406030204" pitchFamily="18" charset="0"/>
+                            <a:ea typeface="Cambria Math" panose="02040503050406030204" pitchFamily="18" charset="0"/>
+                          </a:rPr>
+                          <m:t>⟹</m:t>
+                        </m:r>
+                      </m:oMath>
+                    </m:oMathPara>
+                  </a14:m>
+                  <a:endParaRPr lang="en-US" dirty="0"/>
+                </a:p>
+              </p:txBody>
+            </p:sp>
+          </mc:Choice>
+          <mc:Fallback>
+            <p:sp>
+              <p:nvSpPr>
+                <p:cNvPr id="48" name="TextBox 47">
+                  <a:extLst>
+                    <a:ext uri="{FF2B5EF4-FFF2-40B4-BE49-F238E27FC236}">
+                      <a16:creationId xmlns:a16="http://schemas.microsoft.com/office/drawing/2014/main" id="{4A05A61C-9824-5EBC-3C35-65A5366F707C}"/>
+                    </a:ext>
+                  </a:extLst>
+                </p:cNvPr>
+                <p:cNvSpPr txBox="1">
+                  <a:spLocks noRot="1" noChangeAspect="1" noMove="1" noResize="1" noEditPoints="1" noAdjustHandles="1" noChangeArrowheads="1" noChangeShapeType="1" noTextEdit="1"/>
+                </p:cNvSpPr>
+                <p:nvPr/>
+              </p:nvSpPr>
+              <p:spPr>
+                <a:xfrm>
+                  <a:off x="2460406" y="1963610"/>
+                  <a:ext cx="510075" cy="369332"/>
+                </a:xfrm>
+                <a:prstGeom prst="rect">
+                  <a:avLst/>
+                </a:prstGeom>
+                <a:blipFill>
+                  <a:blip r:embed="rId13"/>
+                  <a:stretch>
+                    <a:fillRect/>
+                  </a:stretch>
+                </a:blipFill>
+              </p:spPr>
+              <p:txBody>
+                <a:bodyPr/>
+                <a:lstStyle/>
+                <a:p>
+                  <a:r>
+                    <a:rPr lang="en-US">
+                      <a:noFill/>
+                    </a:rPr>
+                    <a:t> </a:t>
+                  </a:r>
+                </a:p>
+              </p:txBody>
+            </p:sp>
+          </mc:Fallback>
+        </mc:AlternateContent>
+      </p:grpSp>
+      <p:grpSp>
+        <p:nvGrpSpPr>
+          <p:cNvPr id="80" name="Group 79">
+            <a:extLst>
+              <a:ext uri="{FF2B5EF4-FFF2-40B4-BE49-F238E27FC236}">
+                <a16:creationId xmlns:a16="http://schemas.microsoft.com/office/drawing/2014/main" id="{8CD722E9-AD75-5AB2-1D39-E862AB1FE28C}"/>
+              </a:ext>
+            </a:extLst>
+          </p:cNvPr>
+          <p:cNvGrpSpPr/>
+          <p:nvPr/>
+        </p:nvGrpSpPr>
+        <p:grpSpPr>
+          <a:xfrm>
+            <a:off x="382044" y="3480271"/>
+            <a:ext cx="5272297" cy="1536403"/>
+            <a:chOff x="382044" y="3480271"/>
+            <a:chExt cx="5272297" cy="1536403"/>
+          </a:xfrm>
+        </p:grpSpPr>
+        <p:sp>
+          <p:nvSpPr>
+            <p:cNvPr id="50" name="TextBox 49">
+              <a:extLst>
+                <a:ext uri="{FF2B5EF4-FFF2-40B4-BE49-F238E27FC236}">
+                  <a16:creationId xmlns:a16="http://schemas.microsoft.com/office/drawing/2014/main" id="{32D83A80-D4D6-2434-BB94-18519B22D8E9}"/>
+                </a:ext>
+              </a:extLst>
+            </p:cNvPr>
+            <p:cNvSpPr txBox="1"/>
+            <p:nvPr/>
+          </p:nvSpPr>
+          <p:spPr>
+            <a:xfrm>
+              <a:off x="1517129" y="4340393"/>
+              <a:ext cx="625492" cy="246221"/>
+            </a:xfrm>
+            <a:prstGeom prst="rect">
+              <a:avLst/>
+            </a:prstGeom>
+            <a:solidFill>
+              <a:schemeClr val="accent5">
+                <a:lumMod val="60000"/>
+                <a:lumOff val="40000"/>
+              </a:schemeClr>
+            </a:solidFill>
+          </p:spPr>
+          <p:txBody>
+            <a:bodyPr wrap="none" rtlCol="0">
+              <a:spAutoFit/>
+            </a:bodyPr>
+            <a:lstStyle/>
+            <a:p>
+              <a:r>
+                <a:rPr lang="en-US" sz="1000" dirty="0"/>
+                <a:t>RNN cell</a:t>
+              </a:r>
+            </a:p>
+          </p:txBody>
+        </p:sp>
+        <p:sp>
+          <p:nvSpPr>
+            <p:cNvPr id="51" name="TextBox 50">
+              <a:extLst>
+                <a:ext uri="{FF2B5EF4-FFF2-40B4-BE49-F238E27FC236}">
+                  <a16:creationId xmlns:a16="http://schemas.microsoft.com/office/drawing/2014/main" id="{3DCB56C1-A211-0024-211E-EA656B7E8091}"/>
+                </a:ext>
+              </a:extLst>
+            </p:cNvPr>
+            <p:cNvSpPr txBox="1"/>
+            <p:nvPr/>
+          </p:nvSpPr>
+          <p:spPr>
+            <a:xfrm>
+              <a:off x="3843748" y="4340393"/>
+              <a:ext cx="625492" cy="246221"/>
+            </a:xfrm>
+            <a:prstGeom prst="rect">
+              <a:avLst/>
+            </a:prstGeom>
+            <a:solidFill>
+              <a:srgbClr val="F73747"/>
+            </a:solidFill>
+          </p:spPr>
+          <p:txBody>
+            <a:bodyPr wrap="none" rtlCol="0">
+              <a:spAutoFit/>
+            </a:bodyPr>
+            <a:lstStyle/>
+            <a:p>
+              <a:r>
+                <a:rPr lang="en-US" sz="1000" dirty="0"/>
+                <a:t>RNN cell</a:t>
+              </a:r>
+            </a:p>
+          </p:txBody>
+        </p:sp>
+        <p:sp>
+          <p:nvSpPr>
+            <p:cNvPr id="52" name="TextBox 51">
+              <a:extLst>
+                <a:ext uri="{FF2B5EF4-FFF2-40B4-BE49-F238E27FC236}">
+                  <a16:creationId xmlns:a16="http://schemas.microsoft.com/office/drawing/2014/main" id="{44DF214F-E046-7A1E-423D-0AE9A7E1F506}"/>
+                </a:ext>
+              </a:extLst>
+            </p:cNvPr>
+            <p:cNvSpPr txBox="1"/>
+            <p:nvPr/>
+          </p:nvSpPr>
+          <p:spPr>
+            <a:xfrm>
+              <a:off x="1517129" y="3910333"/>
+              <a:ext cx="625492" cy="246221"/>
+            </a:xfrm>
+            <a:prstGeom prst="rect">
+              <a:avLst/>
+            </a:prstGeom>
+            <a:solidFill>
+              <a:schemeClr val="accent5">
+                <a:lumMod val="60000"/>
+                <a:lumOff val="40000"/>
+              </a:schemeClr>
+            </a:solidFill>
+          </p:spPr>
+          <p:txBody>
+            <a:bodyPr wrap="none" rtlCol="0">
+              <a:spAutoFit/>
+            </a:bodyPr>
+            <a:lstStyle/>
+            <a:p>
+              <a:r>
+                <a:rPr lang="en-US" sz="1000" dirty="0"/>
+                <a:t>RNN cell</a:t>
+              </a:r>
+            </a:p>
+          </p:txBody>
+        </p:sp>
+        <p:sp>
+          <p:nvSpPr>
+            <p:cNvPr id="53" name="TextBox 52">
+              <a:extLst>
+                <a:ext uri="{FF2B5EF4-FFF2-40B4-BE49-F238E27FC236}">
+                  <a16:creationId xmlns:a16="http://schemas.microsoft.com/office/drawing/2014/main" id="{400BD163-223A-F058-809E-ABBD4FF69CF1}"/>
+                </a:ext>
+              </a:extLst>
+            </p:cNvPr>
+            <p:cNvSpPr txBox="1"/>
+            <p:nvPr/>
+          </p:nvSpPr>
+          <p:spPr>
+            <a:xfrm>
+              <a:off x="1517129" y="3480273"/>
+              <a:ext cx="625492" cy="246221"/>
+            </a:xfrm>
+            <a:prstGeom prst="rect">
+              <a:avLst/>
+            </a:prstGeom>
+            <a:solidFill>
+              <a:schemeClr val="accent5">
+                <a:lumMod val="60000"/>
+                <a:lumOff val="40000"/>
+              </a:schemeClr>
+            </a:solidFill>
+          </p:spPr>
+          <p:txBody>
+            <a:bodyPr wrap="none" rtlCol="0">
+              <a:spAutoFit/>
+            </a:bodyPr>
+            <a:lstStyle/>
+            <a:p>
+              <a:r>
+                <a:rPr lang="en-US" sz="1000" dirty="0"/>
+                <a:t>RNN cell</a:t>
+              </a:r>
+            </a:p>
+          </p:txBody>
+        </p:sp>
+        <p:sp>
+          <p:nvSpPr>
+            <p:cNvPr id="54" name="TextBox 53">
+              <a:extLst>
+                <a:ext uri="{FF2B5EF4-FFF2-40B4-BE49-F238E27FC236}">
+                  <a16:creationId xmlns:a16="http://schemas.microsoft.com/office/drawing/2014/main" id="{04B9BA1D-0193-C202-C705-3CF7AFEC1FD8}"/>
+                </a:ext>
+              </a:extLst>
+            </p:cNvPr>
+            <p:cNvSpPr txBox="1"/>
+            <p:nvPr/>
+          </p:nvSpPr>
+          <p:spPr>
+            <a:xfrm>
+              <a:off x="1524062" y="4770453"/>
+              <a:ext cx="625492" cy="246221"/>
+            </a:xfrm>
+            <a:prstGeom prst="rect">
+              <a:avLst/>
+            </a:prstGeom>
+            <a:solidFill>
+              <a:schemeClr val="accent5">
+                <a:lumMod val="60000"/>
+                <a:lumOff val="40000"/>
+              </a:schemeClr>
+            </a:solidFill>
+          </p:spPr>
+          <p:txBody>
+            <a:bodyPr wrap="none" rtlCol="0">
+              <a:spAutoFit/>
+            </a:bodyPr>
+            <a:lstStyle/>
+            <a:p>
+              <a:r>
+                <a:rPr lang="en-US" sz="1000" dirty="0"/>
+                <a:t>RNN cell</a:t>
+              </a:r>
+            </a:p>
+          </p:txBody>
+        </p:sp>
+        <p:sp>
+          <p:nvSpPr>
+            <p:cNvPr id="55" name="TextBox 54">
+              <a:extLst>
+                <a:ext uri="{FF2B5EF4-FFF2-40B4-BE49-F238E27FC236}">
+                  <a16:creationId xmlns:a16="http://schemas.microsoft.com/office/drawing/2014/main" id="{3699024F-57E6-35E3-4804-6C27E328D1E7}"/>
+                </a:ext>
+              </a:extLst>
+            </p:cNvPr>
+            <p:cNvSpPr txBox="1"/>
+            <p:nvPr/>
+          </p:nvSpPr>
+          <p:spPr>
+            <a:xfrm>
+              <a:off x="3843748" y="4770452"/>
+              <a:ext cx="625492" cy="246221"/>
+            </a:xfrm>
+            <a:prstGeom prst="rect">
+              <a:avLst/>
+            </a:prstGeom>
+            <a:solidFill>
+              <a:srgbClr val="F73747"/>
+            </a:solidFill>
+          </p:spPr>
+          <p:txBody>
+            <a:bodyPr wrap="none" rtlCol="0">
+              <a:spAutoFit/>
+            </a:bodyPr>
+            <a:lstStyle/>
+            <a:p>
+              <a:r>
+                <a:rPr lang="en-US" sz="1000" dirty="0"/>
+                <a:t>RNN cell</a:t>
+              </a:r>
+            </a:p>
+          </p:txBody>
+        </p:sp>
+        <p:sp>
+          <p:nvSpPr>
+            <p:cNvPr id="56" name="TextBox 55">
+              <a:extLst>
+                <a:ext uri="{FF2B5EF4-FFF2-40B4-BE49-F238E27FC236}">
+                  <a16:creationId xmlns:a16="http://schemas.microsoft.com/office/drawing/2014/main" id="{C669ED1A-9770-58E0-C8BA-F94E5CABEA75}"/>
+                </a:ext>
+              </a:extLst>
+            </p:cNvPr>
+            <p:cNvSpPr txBox="1"/>
+            <p:nvPr/>
+          </p:nvSpPr>
+          <p:spPr>
+            <a:xfrm>
+              <a:off x="3843748" y="3910333"/>
+              <a:ext cx="625492" cy="246221"/>
+            </a:xfrm>
+            <a:prstGeom prst="rect">
+              <a:avLst/>
+            </a:prstGeom>
+            <a:solidFill>
+              <a:srgbClr val="F73747"/>
+            </a:solidFill>
+          </p:spPr>
+          <p:txBody>
+            <a:bodyPr wrap="none" rtlCol="0">
+              <a:spAutoFit/>
+            </a:bodyPr>
+            <a:lstStyle/>
+            <a:p>
+              <a:r>
+                <a:rPr lang="en-US" sz="1000" dirty="0"/>
+                <a:t>RNN cell</a:t>
+              </a:r>
+            </a:p>
+          </p:txBody>
+        </p:sp>
+        <p:sp>
+          <p:nvSpPr>
+            <p:cNvPr id="57" name="TextBox 56">
+              <a:extLst>
+                <a:ext uri="{FF2B5EF4-FFF2-40B4-BE49-F238E27FC236}">
+                  <a16:creationId xmlns:a16="http://schemas.microsoft.com/office/drawing/2014/main" id="{AFE98046-51EE-9BC1-8436-6D708DA591CF}"/>
+                </a:ext>
+              </a:extLst>
+            </p:cNvPr>
+            <p:cNvSpPr txBox="1"/>
+            <p:nvPr/>
+          </p:nvSpPr>
+          <p:spPr>
+            <a:xfrm>
+              <a:off x="3843748" y="3480273"/>
+              <a:ext cx="625492" cy="246221"/>
+            </a:xfrm>
+            <a:prstGeom prst="rect">
+              <a:avLst/>
+            </a:prstGeom>
+            <a:solidFill>
+              <a:srgbClr val="F73747"/>
+            </a:solidFill>
+          </p:spPr>
+          <p:txBody>
+            <a:bodyPr wrap="none" rtlCol="0">
+              <a:spAutoFit/>
+            </a:bodyPr>
+            <a:lstStyle/>
+            <a:p>
+              <a:r>
+                <a:rPr lang="en-US" sz="1000" dirty="0"/>
+                <a:t>RNN cell</a:t>
+              </a:r>
+            </a:p>
+          </p:txBody>
+        </p:sp>
+        <p:sp>
+          <p:nvSpPr>
+            <p:cNvPr id="58" name="TextBox 57">
+              <a:extLst>
+                <a:ext uri="{FF2B5EF4-FFF2-40B4-BE49-F238E27FC236}">
+                  <a16:creationId xmlns:a16="http://schemas.microsoft.com/office/drawing/2014/main" id="{2D5D6052-8DDB-5A23-BC89-7A2AEEF343F8}"/>
+                </a:ext>
+              </a:extLst>
+            </p:cNvPr>
+            <p:cNvSpPr txBox="1"/>
+            <p:nvPr/>
+          </p:nvSpPr>
+          <p:spPr>
+            <a:xfrm>
+              <a:off x="2715443" y="4113024"/>
+              <a:ext cx="455574" cy="246221"/>
+            </a:xfrm>
+            <a:prstGeom prst="rect">
+              <a:avLst/>
+            </a:prstGeom>
+            <a:solidFill>
+              <a:schemeClr val="tx1"/>
+            </a:solidFill>
+          </p:spPr>
+          <p:txBody>
+            <a:bodyPr wrap="none" rtlCol="0">
+              <a:spAutoFit/>
+            </a:bodyPr>
+            <a:lstStyle/>
+            <a:p>
+              <a:r>
+                <a:rPr lang="en-US" sz="1000" dirty="0">
                   <a:solidFill>
                     <a:schemeClr val="bg1"/>
                   </a:solidFill>
-                </a:endParaRPr>
-              </a:p>
-            </p:txBody>
-          </p:sp>
-        </mc:Choice>
-        <mc:Fallback>
-          <p:sp>
-            <p:nvSpPr>
-              <p:cNvPr id="4" name="TextBox 3">
-                <a:extLst>
-                  <a:ext uri="{FF2B5EF4-FFF2-40B4-BE49-F238E27FC236}">
-                    <a16:creationId xmlns:a16="http://schemas.microsoft.com/office/drawing/2014/main" id="{A85D9125-975F-D84F-C051-61255E1A4334}"/>
-                  </a:ext>
-                </a:extLst>
-              </p:cNvPr>
-              <p:cNvSpPr txBox="1">
-                <a:spLocks noRot="1" noChangeAspect="1" noMove="1" noResize="1" noEditPoints="1" noAdjustHandles="1" noChangeArrowheads="1" noChangeShapeType="1" noTextEdit="1"/>
-              </p:cNvSpPr>
-              <p:nvPr/>
-            </p:nvSpPr>
-            <p:spPr>
-              <a:xfrm>
-                <a:off x="1560443" y="1550504"/>
-                <a:ext cx="538865" cy="246221"/>
-              </a:xfrm>
-              <a:prstGeom prst="rect">
-                <a:avLst/>
-              </a:prstGeom>
-              <a:blipFill>
-                <a:blip r:embed="rId2"/>
-                <a:stretch>
-                  <a:fillRect b="-9524"/>
-                </a:stretch>
-              </a:blipFill>
-            </p:spPr>
-            <p:txBody>
-              <a:bodyPr/>
-              <a:lstStyle/>
-              <a:p>
-                <a:r>
-                  <a:rPr lang="en-US">
-                    <a:noFill/>
-                  </a:rPr>
-                  <a:t> </a:t>
-                </a:r>
-              </a:p>
-            </p:txBody>
-          </p:sp>
-        </mc:Fallback>
-      </mc:AlternateContent>
-      <p:sp>
-        <p:nvSpPr>
-          <p:cNvPr id="5" name="TextBox 4">
-            <a:extLst>
-              <a:ext uri="{FF2B5EF4-FFF2-40B4-BE49-F238E27FC236}">
-                <a16:creationId xmlns:a16="http://schemas.microsoft.com/office/drawing/2014/main" id="{FD075E3D-1D3E-9840-7665-18FC75534D12}"/>
-              </a:ext>
-            </a:extLst>
-          </p:cNvPr>
-          <p:cNvSpPr txBox="1"/>
-          <p:nvPr/>
-        </p:nvSpPr>
-        <p:spPr>
-          <a:xfrm>
-            <a:off x="1517129" y="2025166"/>
-            <a:ext cx="625492" cy="246221"/>
-          </a:xfrm>
-          <a:prstGeom prst="rect">
-            <a:avLst/>
-          </a:prstGeom>
-          <a:solidFill>
-            <a:srgbClr val="FFC000"/>
-          </a:solidFill>
-        </p:spPr>
-        <p:txBody>
-          <a:bodyPr wrap="none" rtlCol="0">
-            <a:spAutoFit/>
-          </a:bodyPr>
-          <a:lstStyle/>
-          <a:p>
-            <a:r>
-              <a:rPr lang="en-US" sz="1000" dirty="0"/>
-              <a:t>RNN cell</a:t>
-            </a:r>
-          </a:p>
-        </p:txBody>
-      </p:sp>
-      <mc:AlternateContent xmlns:mc="http://schemas.openxmlformats.org/markup-compatibility/2006">
-        <mc:Choice xmlns:a14="http://schemas.microsoft.com/office/drawing/2010/main" Requires="a14">
-          <p:sp>
-            <p:nvSpPr>
-              <p:cNvPr id="6" name="TextBox 5">
-                <a:extLst>
-                  <a:ext uri="{FF2B5EF4-FFF2-40B4-BE49-F238E27FC236}">
-                    <a16:creationId xmlns:a16="http://schemas.microsoft.com/office/drawing/2014/main" id="{CDF78613-B96B-49F9-BE6B-E5C00547A27D}"/>
-                  </a:ext>
-                </a:extLst>
-              </p:cNvPr>
-              <p:cNvSpPr txBox="1"/>
-              <p:nvPr/>
-            </p:nvSpPr>
-            <p:spPr>
-              <a:xfrm>
-                <a:off x="1560442" y="2499829"/>
-                <a:ext cx="545277" cy="246221"/>
-              </a:xfrm>
-              <a:prstGeom prst="rect">
-                <a:avLst/>
-              </a:prstGeom>
-              <a:solidFill>
-                <a:schemeClr val="bg1">
-                  <a:lumMod val="75000"/>
-                </a:schemeClr>
-              </a:solidFill>
-            </p:spPr>
-            <p:txBody>
-              <a:bodyPr wrap="none" rtlCol="0">
-                <a:spAutoFit/>
-              </a:bodyPr>
-              <a:lstStyle/>
-              <a:p>
-                <a:r>
-                  <a:rPr lang="en-US" sz="1000" dirty="0"/>
-                  <a:t>Input </a:t>
-                </a:r>
-                <a14:m>
-                  <m:oMath xmlns:m="http://schemas.openxmlformats.org/officeDocument/2006/math">
-                    <m:r>
-                      <a:rPr lang="en-US" sz="1000" i="1" dirty="0" smtClean="0">
-                        <a:latin typeface="Cambria Math" panose="02040503050406030204" pitchFamily="18" charset="0"/>
-                      </a:rPr>
-                      <m:t>𝑡</m:t>
-                    </m:r>
-                  </m:oMath>
-                </a14:m>
-                <a:endParaRPr lang="en-US" sz="1000" dirty="0"/>
-              </a:p>
-            </p:txBody>
-          </p:sp>
-        </mc:Choice>
-        <mc:Fallback>
-          <p:sp>
-            <p:nvSpPr>
-              <p:cNvPr id="6" name="TextBox 5">
-                <a:extLst>
-                  <a:ext uri="{FF2B5EF4-FFF2-40B4-BE49-F238E27FC236}">
-                    <a16:creationId xmlns:a16="http://schemas.microsoft.com/office/drawing/2014/main" id="{CDF78613-B96B-49F9-BE6B-E5C00547A27D}"/>
-                  </a:ext>
-                </a:extLst>
-              </p:cNvPr>
-              <p:cNvSpPr txBox="1">
-                <a:spLocks noRot="1" noChangeAspect="1" noMove="1" noResize="1" noEditPoints="1" noAdjustHandles="1" noChangeArrowheads="1" noChangeShapeType="1" noTextEdit="1"/>
-              </p:cNvSpPr>
-              <p:nvPr/>
-            </p:nvSpPr>
-            <p:spPr>
-              <a:xfrm>
-                <a:off x="1560442" y="2499829"/>
-                <a:ext cx="545277" cy="246221"/>
-              </a:xfrm>
-              <a:prstGeom prst="rect">
-                <a:avLst/>
-              </a:prstGeom>
-              <a:blipFill>
-                <a:blip r:embed="rId3"/>
-                <a:stretch>
-                  <a:fillRect b="-9524"/>
-                </a:stretch>
-              </a:blipFill>
-            </p:spPr>
-            <p:txBody>
-              <a:bodyPr/>
-              <a:lstStyle/>
-              <a:p>
-                <a:r>
-                  <a:rPr lang="en-US">
-                    <a:noFill/>
-                  </a:rPr>
-                  <a:t> </a:t>
-                </a:r>
-              </a:p>
-            </p:txBody>
-          </p:sp>
-        </mc:Fallback>
-      </mc:AlternateContent>
-      <p:cxnSp>
-        <p:nvCxnSpPr>
-          <p:cNvPr id="8" name="Straight Arrow Connector 7">
-            <a:extLst>
-              <a:ext uri="{FF2B5EF4-FFF2-40B4-BE49-F238E27FC236}">
-                <a16:creationId xmlns:a16="http://schemas.microsoft.com/office/drawing/2014/main" id="{FF7A318E-F52C-63D7-DB53-8FE8D9C06E26}"/>
-              </a:ext>
-            </a:extLst>
-          </p:cNvPr>
-          <p:cNvCxnSpPr>
-            <a:stCxn id="5" idx="0"/>
-            <a:endCxn id="4" idx="2"/>
-          </p:cNvCxnSpPr>
-          <p:nvPr/>
-        </p:nvCxnSpPr>
-        <p:spPr>
-          <a:xfrm flipV="1">
-            <a:off x="1829875" y="1796725"/>
-            <a:ext cx="1" cy="228441"/>
-          </a:xfrm>
-          <a:prstGeom prst="straightConnector1">
-            <a:avLst/>
-          </a:prstGeom>
-          <a:ln>
-            <a:tailEnd type="triangle"/>
-          </a:ln>
-        </p:spPr>
-        <p:style>
-          <a:lnRef idx="1">
-            <a:schemeClr val="accent1"/>
-          </a:lnRef>
-          <a:fillRef idx="0">
-            <a:schemeClr val="accent1"/>
-          </a:fillRef>
-          <a:effectRef idx="0">
-            <a:schemeClr val="accent1"/>
-          </a:effectRef>
-          <a:fontRef idx="minor">
-            <a:schemeClr val="tx1"/>
-          </a:fontRef>
-        </p:style>
-      </p:cxnSp>
-      <p:cxnSp>
-        <p:nvCxnSpPr>
-          <p:cNvPr id="10" name="Straight Arrow Connector 9">
-            <a:extLst>
-              <a:ext uri="{FF2B5EF4-FFF2-40B4-BE49-F238E27FC236}">
-                <a16:creationId xmlns:a16="http://schemas.microsoft.com/office/drawing/2014/main" id="{023B65B1-8B18-1114-3D4E-E5B7E485D800}"/>
-              </a:ext>
-            </a:extLst>
-          </p:cNvPr>
-          <p:cNvCxnSpPr>
-            <a:stCxn id="6" idx="0"/>
-            <a:endCxn id="5" idx="2"/>
-          </p:cNvCxnSpPr>
-          <p:nvPr/>
-        </p:nvCxnSpPr>
-        <p:spPr>
-          <a:xfrm flipH="1" flipV="1">
-            <a:off x="1829875" y="2271387"/>
-            <a:ext cx="3206" cy="228442"/>
-          </a:xfrm>
-          <a:prstGeom prst="straightConnector1">
-            <a:avLst/>
-          </a:prstGeom>
-          <a:ln>
-            <a:tailEnd type="triangle"/>
-          </a:ln>
-        </p:spPr>
-        <p:style>
-          <a:lnRef idx="1">
-            <a:schemeClr val="accent1"/>
-          </a:lnRef>
-          <a:fillRef idx="0">
-            <a:schemeClr val="accent1"/>
-          </a:fillRef>
-          <a:effectRef idx="0">
-            <a:schemeClr val="accent1"/>
-          </a:effectRef>
-          <a:fontRef idx="minor">
-            <a:schemeClr val="tx1"/>
-          </a:fontRef>
-        </p:style>
-      </p:cxnSp>
-      <p:cxnSp>
-        <p:nvCxnSpPr>
-          <p:cNvPr id="12" name="Elbow Connector 11">
-            <a:extLst>
-              <a:ext uri="{FF2B5EF4-FFF2-40B4-BE49-F238E27FC236}">
-                <a16:creationId xmlns:a16="http://schemas.microsoft.com/office/drawing/2014/main" id="{E8E88334-BDC4-0C52-01DA-2E3F4E8158A6}"/>
-              </a:ext>
-            </a:extLst>
-          </p:cNvPr>
-          <p:cNvCxnSpPr>
-            <a:stCxn id="5" idx="3"/>
-            <a:endCxn id="5" idx="1"/>
-          </p:cNvCxnSpPr>
-          <p:nvPr/>
-        </p:nvCxnSpPr>
-        <p:spPr>
-          <a:xfrm flipH="1">
-            <a:off x="1517129" y="2148277"/>
-            <a:ext cx="625492" cy="12700"/>
-          </a:xfrm>
-          <a:prstGeom prst="bentConnector5">
-            <a:avLst>
-              <a:gd name="adj1" fmla="val -36547"/>
-              <a:gd name="adj2" fmla="val -1705622"/>
-              <a:gd name="adj3" fmla="val 136547"/>
-            </a:avLst>
-          </a:prstGeom>
-          <a:ln>
-            <a:tailEnd type="triangle"/>
-          </a:ln>
-        </p:spPr>
-        <p:style>
-          <a:lnRef idx="1">
-            <a:schemeClr val="accent1"/>
-          </a:lnRef>
-          <a:fillRef idx="0">
-            <a:schemeClr val="accent1"/>
-          </a:fillRef>
-          <a:effectRef idx="0">
-            <a:schemeClr val="accent1"/>
-          </a:effectRef>
-          <a:fontRef idx="minor">
-            <a:schemeClr val="tx1"/>
-          </a:fontRef>
-        </p:style>
-      </p:cxnSp>
+                </a:rPr>
+                <a:t>State</a:t>
+              </a:r>
+            </a:p>
+          </p:txBody>
+        </p:sp>
+        <p:sp>
+          <p:nvSpPr>
+            <p:cNvPr id="59" name="TextBox 58">
+              <a:extLst>
+                <a:ext uri="{FF2B5EF4-FFF2-40B4-BE49-F238E27FC236}">
+                  <a16:creationId xmlns:a16="http://schemas.microsoft.com/office/drawing/2014/main" id="{BDDFB917-86DB-86C6-BA92-BA401B7D83EF}"/>
+                </a:ext>
+              </a:extLst>
+            </p:cNvPr>
+            <p:cNvSpPr txBox="1"/>
+            <p:nvPr/>
+          </p:nvSpPr>
+          <p:spPr>
+            <a:xfrm>
+              <a:off x="382044" y="3480272"/>
+              <a:ext cx="881973" cy="246221"/>
+            </a:xfrm>
+            <a:prstGeom prst="rect">
+              <a:avLst/>
+            </a:prstGeom>
+            <a:noFill/>
+          </p:spPr>
+          <p:txBody>
+            <a:bodyPr wrap="none" rtlCol="0">
+              <a:spAutoFit/>
+            </a:bodyPr>
+            <a:lstStyle/>
+            <a:p>
+              <a:r>
+                <a:rPr lang="en-US" sz="1000" dirty="0"/>
+                <a:t>Transformers</a:t>
+              </a:r>
+            </a:p>
+          </p:txBody>
+        </p:sp>
+        <p:sp>
+          <p:nvSpPr>
+            <p:cNvPr id="60" name="TextBox 59">
+              <a:extLst>
+                <a:ext uri="{FF2B5EF4-FFF2-40B4-BE49-F238E27FC236}">
+                  <a16:creationId xmlns:a16="http://schemas.microsoft.com/office/drawing/2014/main" id="{C2D5E24D-B34C-F5C3-C942-B0309F2896DE}"/>
+                </a:ext>
+              </a:extLst>
+            </p:cNvPr>
+            <p:cNvSpPr txBox="1"/>
+            <p:nvPr/>
+          </p:nvSpPr>
+          <p:spPr>
+            <a:xfrm>
+              <a:off x="759301" y="3903118"/>
+              <a:ext cx="497252" cy="246221"/>
+            </a:xfrm>
+            <a:prstGeom prst="rect">
+              <a:avLst/>
+            </a:prstGeom>
+            <a:noFill/>
+          </p:spPr>
+          <p:txBody>
+            <a:bodyPr wrap="none" rtlCol="0">
+              <a:spAutoFit/>
+            </a:bodyPr>
+            <a:lstStyle/>
+            <a:p>
+              <a:r>
+                <a:rPr lang="en-US" sz="1000" dirty="0"/>
+                <a:t>aren’t</a:t>
+              </a:r>
+            </a:p>
+          </p:txBody>
+        </p:sp>
+        <p:sp>
+          <p:nvSpPr>
+            <p:cNvPr id="61" name="TextBox 60">
+              <a:extLst>
+                <a:ext uri="{FF2B5EF4-FFF2-40B4-BE49-F238E27FC236}">
+                  <a16:creationId xmlns:a16="http://schemas.microsoft.com/office/drawing/2014/main" id="{58B36D8A-7BF3-876E-E038-1FD2E3F4D58A}"/>
+                </a:ext>
+              </a:extLst>
+            </p:cNvPr>
+            <p:cNvSpPr txBox="1"/>
+            <p:nvPr/>
+          </p:nvSpPr>
+          <p:spPr>
+            <a:xfrm>
+              <a:off x="844398" y="4340393"/>
+              <a:ext cx="399468" cy="246221"/>
+            </a:xfrm>
+            <a:prstGeom prst="rect">
+              <a:avLst/>
+            </a:prstGeom>
+            <a:noFill/>
+          </p:spPr>
+          <p:txBody>
+            <a:bodyPr wrap="none" rtlCol="0">
+              <a:spAutoFit/>
+            </a:bodyPr>
+            <a:lstStyle/>
+            <a:p>
+              <a:r>
+                <a:rPr lang="en-US" sz="1000" dirty="0"/>
+                <a:t>that</a:t>
+              </a:r>
+            </a:p>
+          </p:txBody>
+        </p:sp>
+        <p:sp>
+          <p:nvSpPr>
+            <p:cNvPr id="62" name="TextBox 61">
+              <a:extLst>
+                <a:ext uri="{FF2B5EF4-FFF2-40B4-BE49-F238E27FC236}">
+                  <a16:creationId xmlns:a16="http://schemas.microsoft.com/office/drawing/2014/main" id="{51C6C99D-44C7-695C-C23D-B1D39F461CAA}"/>
+                </a:ext>
+              </a:extLst>
+            </p:cNvPr>
+            <p:cNvSpPr txBox="1"/>
+            <p:nvPr/>
+          </p:nvSpPr>
+          <p:spPr>
+            <a:xfrm>
+              <a:off x="805237" y="4760580"/>
+              <a:ext cx="458780" cy="246221"/>
+            </a:xfrm>
+            <a:prstGeom prst="rect">
+              <a:avLst/>
+            </a:prstGeom>
+            <a:noFill/>
+          </p:spPr>
+          <p:txBody>
+            <a:bodyPr wrap="none" rtlCol="0">
+              <a:spAutoFit/>
+            </a:bodyPr>
+            <a:lstStyle/>
+            <a:p>
+              <a:r>
+                <a:rPr lang="en-US" sz="1000" dirty="0"/>
+                <a:t>great</a:t>
+              </a:r>
+            </a:p>
+          </p:txBody>
+        </p:sp>
+        <p:sp>
+          <p:nvSpPr>
+            <p:cNvPr id="63" name="TextBox 62">
+              <a:extLst>
+                <a:ext uri="{FF2B5EF4-FFF2-40B4-BE49-F238E27FC236}">
+                  <a16:creationId xmlns:a16="http://schemas.microsoft.com/office/drawing/2014/main" id="{C8617DBA-0C79-B0C2-6CD5-F176BE0766CC}"/>
+                </a:ext>
+              </a:extLst>
+            </p:cNvPr>
+            <p:cNvSpPr txBox="1"/>
+            <p:nvPr/>
+          </p:nvSpPr>
+          <p:spPr>
+            <a:xfrm>
+              <a:off x="4772368" y="3480271"/>
+              <a:ext cx="881973" cy="246221"/>
+            </a:xfrm>
+            <a:prstGeom prst="rect">
+              <a:avLst/>
+            </a:prstGeom>
+            <a:noFill/>
+          </p:spPr>
+          <p:txBody>
+            <a:bodyPr wrap="none" rtlCol="0">
+              <a:spAutoFit/>
+            </a:bodyPr>
+            <a:lstStyle/>
+            <a:p>
+              <a:r>
+                <a:rPr lang="en-US" sz="1000" dirty="0"/>
+                <a:t>Transformers</a:t>
+              </a:r>
+            </a:p>
+          </p:txBody>
+        </p:sp>
+        <p:sp>
+          <p:nvSpPr>
+            <p:cNvPr id="64" name="TextBox 63">
+              <a:extLst>
+                <a:ext uri="{FF2B5EF4-FFF2-40B4-BE49-F238E27FC236}">
+                  <a16:creationId xmlns:a16="http://schemas.microsoft.com/office/drawing/2014/main" id="{3C578ECB-DE2F-28E1-D4A8-D17444C12FC9}"/>
+                </a:ext>
+              </a:extLst>
+            </p:cNvPr>
+            <p:cNvSpPr txBox="1"/>
+            <p:nvPr/>
+          </p:nvSpPr>
+          <p:spPr>
+            <a:xfrm>
+              <a:off x="4786634" y="3889272"/>
+              <a:ext cx="426720" cy="246221"/>
+            </a:xfrm>
+            <a:prstGeom prst="rect">
+              <a:avLst/>
+            </a:prstGeom>
+            <a:noFill/>
+          </p:spPr>
+          <p:txBody>
+            <a:bodyPr wrap="none" rtlCol="0">
+              <a:spAutoFit/>
+            </a:bodyPr>
+            <a:lstStyle/>
+            <a:p>
+              <a:r>
+                <a:rPr lang="en-US" sz="1000" dirty="0" err="1"/>
+                <a:t>sind</a:t>
+              </a:r>
+              <a:r>
+                <a:rPr lang="en-US" sz="1000" dirty="0"/>
+                <a:t> </a:t>
+              </a:r>
+            </a:p>
+          </p:txBody>
+        </p:sp>
+        <p:sp>
+          <p:nvSpPr>
+            <p:cNvPr id="65" name="TextBox 64">
+              <a:extLst>
+                <a:ext uri="{FF2B5EF4-FFF2-40B4-BE49-F238E27FC236}">
+                  <a16:creationId xmlns:a16="http://schemas.microsoft.com/office/drawing/2014/main" id="{C4709F10-566C-8BDD-4D3D-B8F148EE90E4}"/>
+                </a:ext>
+              </a:extLst>
+            </p:cNvPr>
+            <p:cNvSpPr txBox="1"/>
+            <p:nvPr/>
+          </p:nvSpPr>
+          <p:spPr>
+            <a:xfrm>
+              <a:off x="4786634" y="4337602"/>
+              <a:ext cx="474810" cy="246221"/>
+            </a:xfrm>
+            <a:prstGeom prst="rect">
+              <a:avLst/>
+            </a:prstGeom>
+            <a:noFill/>
+          </p:spPr>
+          <p:txBody>
+            <a:bodyPr wrap="none" rtlCol="0">
+              <a:spAutoFit/>
+            </a:bodyPr>
+            <a:lstStyle/>
+            <a:p>
+              <a:r>
+                <a:rPr lang="en-US" sz="1000" dirty="0" err="1"/>
+                <a:t>nicht</a:t>
+              </a:r>
+              <a:r>
+                <a:rPr lang="en-US" sz="1000" dirty="0"/>
+                <a:t> </a:t>
+              </a:r>
+            </a:p>
+          </p:txBody>
+        </p:sp>
+        <p:sp>
+          <p:nvSpPr>
+            <p:cNvPr id="66" name="TextBox 65">
+              <a:extLst>
+                <a:ext uri="{FF2B5EF4-FFF2-40B4-BE49-F238E27FC236}">
+                  <a16:creationId xmlns:a16="http://schemas.microsoft.com/office/drawing/2014/main" id="{924858E5-B26B-E5CF-0DC8-D733302586CD}"/>
+                </a:ext>
+              </a:extLst>
+            </p:cNvPr>
+            <p:cNvSpPr txBox="1"/>
+            <p:nvPr/>
+          </p:nvSpPr>
+          <p:spPr>
+            <a:xfrm>
+              <a:off x="4772368" y="4746603"/>
+              <a:ext cx="527709" cy="246221"/>
+            </a:xfrm>
+            <a:prstGeom prst="rect">
+              <a:avLst/>
+            </a:prstGeom>
+            <a:noFill/>
+          </p:spPr>
+          <p:txBody>
+            <a:bodyPr wrap="none" rtlCol="0">
+              <a:spAutoFit/>
+            </a:bodyPr>
+            <a:lstStyle/>
+            <a:p>
+              <a:r>
+                <a:rPr lang="en-US" sz="1000" dirty="0"/>
+                <a:t>so toll </a:t>
+              </a:r>
+            </a:p>
+          </p:txBody>
+        </p:sp>
+        <p:cxnSp>
+          <p:nvCxnSpPr>
+            <p:cNvPr id="68" name="Straight Arrow Connector 67">
+              <a:extLst>
+                <a:ext uri="{FF2B5EF4-FFF2-40B4-BE49-F238E27FC236}">
+                  <a16:creationId xmlns:a16="http://schemas.microsoft.com/office/drawing/2014/main" id="{4FCA7ADC-7253-33E5-DA1C-EF2D1BAA719A}"/>
+                </a:ext>
+              </a:extLst>
+            </p:cNvPr>
+            <p:cNvCxnSpPr>
+              <a:stCxn id="59" idx="3"/>
+              <a:endCxn id="53" idx="1"/>
+            </p:cNvCxnSpPr>
+            <p:nvPr/>
+          </p:nvCxnSpPr>
+          <p:spPr>
+            <a:xfrm>
+              <a:off x="1264017" y="3603383"/>
+              <a:ext cx="253112" cy="1"/>
+            </a:xfrm>
+            <a:prstGeom prst="straightConnector1">
+              <a:avLst/>
+            </a:prstGeom>
+            <a:ln>
+              <a:tailEnd type="triangle"/>
+            </a:ln>
+          </p:spPr>
+          <p:style>
+            <a:lnRef idx="1">
+              <a:schemeClr val="accent1"/>
+            </a:lnRef>
+            <a:fillRef idx="0">
+              <a:schemeClr val="accent1"/>
+            </a:fillRef>
+            <a:effectRef idx="0">
+              <a:schemeClr val="accent1"/>
+            </a:effectRef>
+            <a:fontRef idx="minor">
+              <a:schemeClr val="tx1"/>
+            </a:fontRef>
+          </p:style>
+        </p:cxnSp>
+        <p:cxnSp>
+          <p:nvCxnSpPr>
+            <p:cNvPr id="69" name="Straight Arrow Connector 68">
+              <a:extLst>
+                <a:ext uri="{FF2B5EF4-FFF2-40B4-BE49-F238E27FC236}">
+                  <a16:creationId xmlns:a16="http://schemas.microsoft.com/office/drawing/2014/main" id="{C7A72BCB-960C-14D1-6C30-FCAA9C95B06A}"/>
+                </a:ext>
+              </a:extLst>
+            </p:cNvPr>
+            <p:cNvCxnSpPr/>
+            <p:nvPr/>
+          </p:nvCxnSpPr>
+          <p:spPr>
+            <a:xfrm>
+              <a:off x="1265497" y="4026229"/>
+              <a:ext cx="253112" cy="1"/>
+            </a:xfrm>
+            <a:prstGeom prst="straightConnector1">
+              <a:avLst/>
+            </a:prstGeom>
+            <a:ln>
+              <a:tailEnd type="triangle"/>
+            </a:ln>
+          </p:spPr>
+          <p:style>
+            <a:lnRef idx="1">
+              <a:schemeClr val="accent1"/>
+            </a:lnRef>
+            <a:fillRef idx="0">
+              <a:schemeClr val="accent1"/>
+            </a:fillRef>
+            <a:effectRef idx="0">
+              <a:schemeClr val="accent1"/>
+            </a:effectRef>
+            <a:fontRef idx="minor">
+              <a:schemeClr val="tx1"/>
+            </a:fontRef>
+          </p:style>
+        </p:cxnSp>
+        <p:cxnSp>
+          <p:nvCxnSpPr>
+            <p:cNvPr id="70" name="Straight Arrow Connector 69">
+              <a:extLst>
+                <a:ext uri="{FF2B5EF4-FFF2-40B4-BE49-F238E27FC236}">
+                  <a16:creationId xmlns:a16="http://schemas.microsoft.com/office/drawing/2014/main" id="{F7C02E05-E124-2016-578C-2DDF19501F6C}"/>
+                </a:ext>
+              </a:extLst>
+            </p:cNvPr>
+            <p:cNvCxnSpPr/>
+            <p:nvPr/>
+          </p:nvCxnSpPr>
+          <p:spPr>
+            <a:xfrm>
+              <a:off x="1264017" y="4475646"/>
+              <a:ext cx="253112" cy="1"/>
+            </a:xfrm>
+            <a:prstGeom prst="straightConnector1">
+              <a:avLst/>
+            </a:prstGeom>
+            <a:ln>
+              <a:tailEnd type="triangle"/>
+            </a:ln>
+          </p:spPr>
+          <p:style>
+            <a:lnRef idx="1">
+              <a:schemeClr val="accent1"/>
+            </a:lnRef>
+            <a:fillRef idx="0">
+              <a:schemeClr val="accent1"/>
+            </a:fillRef>
+            <a:effectRef idx="0">
+              <a:schemeClr val="accent1"/>
+            </a:effectRef>
+            <a:fontRef idx="minor">
+              <a:schemeClr val="tx1"/>
+            </a:fontRef>
+          </p:style>
+        </p:cxnSp>
+        <p:cxnSp>
+          <p:nvCxnSpPr>
+            <p:cNvPr id="71" name="Straight Arrow Connector 70">
+              <a:extLst>
+                <a:ext uri="{FF2B5EF4-FFF2-40B4-BE49-F238E27FC236}">
+                  <a16:creationId xmlns:a16="http://schemas.microsoft.com/office/drawing/2014/main" id="{6E2E5320-92EE-151D-6F17-313D4DB333A5}"/>
+                </a:ext>
+              </a:extLst>
+            </p:cNvPr>
+            <p:cNvCxnSpPr/>
+            <p:nvPr/>
+          </p:nvCxnSpPr>
+          <p:spPr>
+            <a:xfrm>
+              <a:off x="1264135" y="4883691"/>
+              <a:ext cx="253112" cy="1"/>
+            </a:xfrm>
+            <a:prstGeom prst="straightConnector1">
+              <a:avLst/>
+            </a:prstGeom>
+            <a:ln>
+              <a:tailEnd type="triangle"/>
+            </a:ln>
+          </p:spPr>
+          <p:style>
+            <a:lnRef idx="1">
+              <a:schemeClr val="accent1"/>
+            </a:lnRef>
+            <a:fillRef idx="0">
+              <a:schemeClr val="accent1"/>
+            </a:fillRef>
+            <a:effectRef idx="0">
+              <a:schemeClr val="accent1"/>
+            </a:effectRef>
+            <a:fontRef idx="minor">
+              <a:schemeClr val="tx1"/>
+            </a:fontRef>
+          </p:style>
+        </p:cxnSp>
+        <p:cxnSp>
+          <p:nvCxnSpPr>
+            <p:cNvPr id="72" name="Straight Arrow Connector 71">
+              <a:extLst>
+                <a:ext uri="{FF2B5EF4-FFF2-40B4-BE49-F238E27FC236}">
+                  <a16:creationId xmlns:a16="http://schemas.microsoft.com/office/drawing/2014/main" id="{99EC58DC-6063-626E-E881-674623B17981}"/>
+                </a:ext>
+              </a:extLst>
+            </p:cNvPr>
+            <p:cNvCxnSpPr/>
+            <p:nvPr/>
+          </p:nvCxnSpPr>
+          <p:spPr>
+            <a:xfrm>
+              <a:off x="4469240" y="3603380"/>
+              <a:ext cx="253112" cy="1"/>
+            </a:xfrm>
+            <a:prstGeom prst="straightConnector1">
+              <a:avLst/>
+            </a:prstGeom>
+            <a:ln>
+              <a:tailEnd type="triangle"/>
+            </a:ln>
+          </p:spPr>
+          <p:style>
+            <a:lnRef idx="1">
+              <a:schemeClr val="accent1"/>
+            </a:lnRef>
+            <a:fillRef idx="0">
+              <a:schemeClr val="accent1"/>
+            </a:fillRef>
+            <a:effectRef idx="0">
+              <a:schemeClr val="accent1"/>
+            </a:effectRef>
+            <a:fontRef idx="minor">
+              <a:schemeClr val="tx1"/>
+            </a:fontRef>
+          </p:style>
+        </p:cxnSp>
+        <p:cxnSp>
+          <p:nvCxnSpPr>
+            <p:cNvPr id="73" name="Straight Arrow Connector 72">
+              <a:extLst>
+                <a:ext uri="{FF2B5EF4-FFF2-40B4-BE49-F238E27FC236}">
+                  <a16:creationId xmlns:a16="http://schemas.microsoft.com/office/drawing/2014/main" id="{CB53AA0B-4EF7-2FEA-1899-C5BF9B9A061B}"/>
+                </a:ext>
+              </a:extLst>
+            </p:cNvPr>
+            <p:cNvCxnSpPr/>
+            <p:nvPr/>
+          </p:nvCxnSpPr>
+          <p:spPr>
+            <a:xfrm>
+              <a:off x="4475543" y="4026227"/>
+              <a:ext cx="253112" cy="1"/>
+            </a:xfrm>
+            <a:prstGeom prst="straightConnector1">
+              <a:avLst/>
+            </a:prstGeom>
+            <a:ln>
+              <a:tailEnd type="triangle"/>
+            </a:ln>
+          </p:spPr>
+          <p:style>
+            <a:lnRef idx="1">
+              <a:schemeClr val="accent1"/>
+            </a:lnRef>
+            <a:fillRef idx="0">
+              <a:schemeClr val="accent1"/>
+            </a:fillRef>
+            <a:effectRef idx="0">
+              <a:schemeClr val="accent1"/>
+            </a:effectRef>
+            <a:fontRef idx="minor">
+              <a:schemeClr val="tx1"/>
+            </a:fontRef>
+          </p:style>
+        </p:cxnSp>
+        <p:cxnSp>
+          <p:nvCxnSpPr>
+            <p:cNvPr id="74" name="Straight Arrow Connector 73">
+              <a:extLst>
+                <a:ext uri="{FF2B5EF4-FFF2-40B4-BE49-F238E27FC236}">
+                  <a16:creationId xmlns:a16="http://schemas.microsoft.com/office/drawing/2014/main" id="{1FBF4003-B56F-85AD-AB24-7196086DDDE6}"/>
+                </a:ext>
+              </a:extLst>
+            </p:cNvPr>
+            <p:cNvCxnSpPr/>
+            <p:nvPr/>
+          </p:nvCxnSpPr>
+          <p:spPr>
+            <a:xfrm>
+              <a:off x="4469240" y="4453069"/>
+              <a:ext cx="253112" cy="1"/>
+            </a:xfrm>
+            <a:prstGeom prst="straightConnector1">
+              <a:avLst/>
+            </a:prstGeom>
+            <a:ln>
+              <a:tailEnd type="triangle"/>
+            </a:ln>
+          </p:spPr>
+          <p:style>
+            <a:lnRef idx="1">
+              <a:schemeClr val="accent1"/>
+            </a:lnRef>
+            <a:fillRef idx="0">
+              <a:schemeClr val="accent1"/>
+            </a:fillRef>
+            <a:effectRef idx="0">
+              <a:schemeClr val="accent1"/>
+            </a:effectRef>
+            <a:fontRef idx="minor">
+              <a:schemeClr val="tx1"/>
+            </a:fontRef>
+          </p:style>
+        </p:cxnSp>
+        <p:cxnSp>
+          <p:nvCxnSpPr>
+            <p:cNvPr id="75" name="Straight Arrow Connector 74">
+              <a:extLst>
+                <a:ext uri="{FF2B5EF4-FFF2-40B4-BE49-F238E27FC236}">
+                  <a16:creationId xmlns:a16="http://schemas.microsoft.com/office/drawing/2014/main" id="{8040E8D8-9ABB-E06D-689A-4373E3FE405D}"/>
+                </a:ext>
+              </a:extLst>
+            </p:cNvPr>
+            <p:cNvCxnSpPr/>
+            <p:nvPr/>
+          </p:nvCxnSpPr>
+          <p:spPr>
+            <a:xfrm>
+              <a:off x="4476173" y="4879609"/>
+              <a:ext cx="253112" cy="1"/>
+            </a:xfrm>
+            <a:prstGeom prst="straightConnector1">
+              <a:avLst/>
+            </a:prstGeom>
+            <a:ln>
+              <a:tailEnd type="triangle"/>
+            </a:ln>
+          </p:spPr>
+          <p:style>
+            <a:lnRef idx="1">
+              <a:schemeClr val="accent1"/>
+            </a:lnRef>
+            <a:fillRef idx="0">
+              <a:schemeClr val="accent1"/>
+            </a:fillRef>
+            <a:effectRef idx="0">
+              <a:schemeClr val="accent1"/>
+            </a:effectRef>
+            <a:fontRef idx="minor">
+              <a:schemeClr val="tx1"/>
+            </a:fontRef>
+          </p:style>
+        </p:cxnSp>
+        <p:cxnSp>
+          <p:nvCxnSpPr>
+            <p:cNvPr id="77" name="Elbow Connector 76">
+              <a:extLst>
+                <a:ext uri="{FF2B5EF4-FFF2-40B4-BE49-F238E27FC236}">
+                  <a16:creationId xmlns:a16="http://schemas.microsoft.com/office/drawing/2014/main" id="{B0570950-A7AA-2104-1766-419ACCE29C01}"/>
+                </a:ext>
+              </a:extLst>
+            </p:cNvPr>
+            <p:cNvCxnSpPr>
+              <a:stCxn id="54" idx="3"/>
+              <a:endCxn id="58" idx="2"/>
+            </p:cNvCxnSpPr>
+            <p:nvPr/>
+          </p:nvCxnSpPr>
+          <p:spPr>
+            <a:xfrm flipV="1">
+              <a:off x="2149554" y="4359245"/>
+              <a:ext cx="793676" cy="534319"/>
+            </a:xfrm>
+            <a:prstGeom prst="bentConnector2">
+              <a:avLst/>
+            </a:prstGeom>
+            <a:ln>
+              <a:tailEnd type="triangle"/>
+            </a:ln>
+          </p:spPr>
+          <p:style>
+            <a:lnRef idx="1">
+              <a:schemeClr val="accent1"/>
+            </a:lnRef>
+            <a:fillRef idx="0">
+              <a:schemeClr val="accent1"/>
+            </a:fillRef>
+            <a:effectRef idx="0">
+              <a:schemeClr val="accent1"/>
+            </a:effectRef>
+            <a:fontRef idx="minor">
+              <a:schemeClr val="tx1"/>
+            </a:fontRef>
+          </p:style>
+        </p:cxnSp>
+        <p:cxnSp>
+          <p:nvCxnSpPr>
+            <p:cNvPr id="79" name="Elbow Connector 78">
+              <a:extLst>
+                <a:ext uri="{FF2B5EF4-FFF2-40B4-BE49-F238E27FC236}">
+                  <a16:creationId xmlns:a16="http://schemas.microsoft.com/office/drawing/2014/main" id="{A9048D35-852E-5B39-9190-63B1E691EBDF}"/>
+                </a:ext>
+              </a:extLst>
+            </p:cNvPr>
+            <p:cNvCxnSpPr>
+              <a:stCxn id="58" idx="0"/>
+              <a:endCxn id="57" idx="1"/>
+            </p:cNvCxnSpPr>
+            <p:nvPr/>
+          </p:nvCxnSpPr>
+          <p:spPr>
+            <a:xfrm rot="5400000" flipH="1" flipV="1">
+              <a:off x="3138669" y="3407945"/>
+              <a:ext cx="509640" cy="900518"/>
+            </a:xfrm>
+            <a:prstGeom prst="bentConnector2">
+              <a:avLst/>
+            </a:prstGeom>
+            <a:ln>
+              <a:tailEnd type="triangle"/>
+            </a:ln>
+          </p:spPr>
+          <p:style>
+            <a:lnRef idx="1">
+              <a:schemeClr val="accent1"/>
+            </a:lnRef>
+            <a:fillRef idx="0">
+              <a:schemeClr val="accent1"/>
+            </a:fillRef>
+            <a:effectRef idx="0">
+              <a:schemeClr val="accent1"/>
+            </a:effectRef>
+            <a:fontRef idx="minor">
+              <a:schemeClr val="tx1"/>
+            </a:fontRef>
+          </p:style>
+        </p:cxnSp>
+      </p:grpSp>
     </p:spTree>
     <p:extLst>
       <p:ext uri="{BB962C8B-B14F-4D97-AF65-F5344CB8AC3E}">
